--- a/Project Presentation-ITC University.pptx
+++ b/Project Presentation-ITC University.pptx
@@ -4,23 +4,27 @@
   <p:sldMasterIdLst>
     <p:sldMasterId id="2147483648" r:id="rId1"/>
   </p:sldMasterIdLst>
+  <p:notesMasterIdLst>
+    <p:notesMasterId r:id="rId19"/>
+  </p:notesMasterIdLst>
   <p:sldIdLst>
     <p:sldId id="257" r:id="rId2"/>
     <p:sldId id="258" r:id="rId3"/>
-    <p:sldId id="259" r:id="rId4"/>
-    <p:sldId id="260" r:id="rId5"/>
-    <p:sldId id="267" r:id="rId6"/>
-    <p:sldId id="261" r:id="rId7"/>
-    <p:sldId id="268" r:id="rId8"/>
-    <p:sldId id="269" r:id="rId9"/>
-    <p:sldId id="270" r:id="rId10"/>
-    <p:sldId id="271" r:id="rId11"/>
-    <p:sldId id="272" r:id="rId12"/>
-    <p:sldId id="262" r:id="rId13"/>
-    <p:sldId id="263" r:id="rId14"/>
-    <p:sldId id="264" r:id="rId15"/>
-    <p:sldId id="265" r:id="rId16"/>
-    <p:sldId id="266" r:id="rId17"/>
+    <p:sldId id="273" r:id="rId4"/>
+    <p:sldId id="259" r:id="rId5"/>
+    <p:sldId id="260" r:id="rId6"/>
+    <p:sldId id="267" r:id="rId7"/>
+    <p:sldId id="261" r:id="rId8"/>
+    <p:sldId id="268" r:id="rId9"/>
+    <p:sldId id="269" r:id="rId10"/>
+    <p:sldId id="270" r:id="rId11"/>
+    <p:sldId id="271" r:id="rId12"/>
+    <p:sldId id="272" r:id="rId13"/>
+    <p:sldId id="262" r:id="rId14"/>
+    <p:sldId id="263" r:id="rId15"/>
+    <p:sldId id="264" r:id="rId16"/>
+    <p:sldId id="265" r:id="rId17"/>
+    <p:sldId id="266" r:id="rId18"/>
   </p:sldIdLst>
   <p:sldSz cx="9144000" cy="6858000" type="screen4x3"/>
   <p:notesSz cx="6858000" cy="9144000"/>
@@ -122,6 +126,434 @@
 </p:presentation>
 </file>
 
+<file path=ppt/notesMasters/notesMaster1.xml><?xml version="1.0" encoding="utf-8"?>
+<p:notesMaster xmlns:a="http://schemas.openxmlformats.org/drawingml/2006/main" xmlns:r="http://schemas.openxmlformats.org/officeDocument/2006/relationships" xmlns:p="http://schemas.openxmlformats.org/presentationml/2006/main">
+  <p:cSld>
+    <p:bg>
+      <p:bgRef idx="1001">
+        <a:schemeClr val="bg1"/>
+      </p:bgRef>
+    </p:bg>
+    <p:spTree>
+      <p:nvGrpSpPr>
+        <p:cNvPr id="1" name=""/>
+        <p:cNvGrpSpPr/>
+        <p:nvPr/>
+      </p:nvGrpSpPr>
+      <p:grpSpPr>
+        <a:xfrm>
+          <a:off x="0" y="0"/>
+          <a:ext cx="0" cy="0"/>
+          <a:chOff x="0" y="0"/>
+          <a:chExt cx="0" cy="0"/>
+        </a:xfrm>
+      </p:grpSpPr>
+      <p:sp>
+        <p:nvSpPr>
+          <p:cNvPr id="2" name="Header Placeholder 1"/>
+          <p:cNvSpPr>
+            <a:spLocks noGrp="1"/>
+          </p:cNvSpPr>
+          <p:nvPr>
+            <p:ph type="hdr" sz="quarter"/>
+          </p:nvPr>
+        </p:nvSpPr>
+        <p:spPr>
+          <a:xfrm>
+            <a:off x="0" y="0"/>
+            <a:ext cx="2971800" cy="457200"/>
+          </a:xfrm>
+          <a:prstGeom prst="rect">
+            <a:avLst/>
+          </a:prstGeom>
+        </p:spPr>
+        <p:txBody>
+          <a:bodyPr vert="horz" lIns="91440" tIns="45720" rIns="91440" bIns="45720" rtlCol="0"/>
+          <a:lstStyle>
+            <a:lvl1pPr algn="l">
+              <a:defRPr sz="1200"/>
+            </a:lvl1pPr>
+          </a:lstStyle>
+          <a:p>
+            <a:endParaRPr lang="en-US"/>
+          </a:p>
+        </p:txBody>
+      </p:sp>
+      <p:sp>
+        <p:nvSpPr>
+          <p:cNvPr id="3" name="Date Placeholder 2"/>
+          <p:cNvSpPr>
+            <a:spLocks noGrp="1"/>
+          </p:cNvSpPr>
+          <p:nvPr>
+            <p:ph type="dt" idx="1"/>
+          </p:nvPr>
+        </p:nvSpPr>
+        <p:spPr>
+          <a:xfrm>
+            <a:off x="3884613" y="0"/>
+            <a:ext cx="2971800" cy="457200"/>
+          </a:xfrm>
+          <a:prstGeom prst="rect">
+            <a:avLst/>
+          </a:prstGeom>
+        </p:spPr>
+        <p:txBody>
+          <a:bodyPr vert="horz" lIns="91440" tIns="45720" rIns="91440" bIns="45720" rtlCol="0"/>
+          <a:lstStyle>
+            <a:lvl1pPr algn="r">
+              <a:defRPr sz="1200"/>
+            </a:lvl1pPr>
+          </a:lstStyle>
+          <a:p>
+            <a:fld id="{90053614-6D24-4340-AC04-CE7BC19DC1ED}" type="datetimeFigureOut">
+              <a:rPr lang="en-US" smtClean="0"/>
+              <a:t>10/20/2024</a:t>
+            </a:fld>
+            <a:endParaRPr lang="en-US"/>
+          </a:p>
+        </p:txBody>
+      </p:sp>
+      <p:sp>
+        <p:nvSpPr>
+          <p:cNvPr id="4" name="Slide Image Placeholder 3"/>
+          <p:cNvSpPr>
+            <a:spLocks noGrp="1" noRot="1" noChangeAspect="1"/>
+          </p:cNvSpPr>
+          <p:nvPr>
+            <p:ph type="sldImg" idx="2"/>
+          </p:nvPr>
+        </p:nvSpPr>
+        <p:spPr>
+          <a:xfrm>
+            <a:off x="1143000" y="685800"/>
+            <a:ext cx="4572000" cy="3429000"/>
+          </a:xfrm>
+          <a:prstGeom prst="rect">
+            <a:avLst/>
+          </a:prstGeom>
+          <a:noFill/>
+          <a:ln w="12700">
+            <a:solidFill>
+              <a:prstClr val="black"/>
+            </a:solidFill>
+          </a:ln>
+        </p:spPr>
+        <p:txBody>
+          <a:bodyPr vert="horz" lIns="91440" tIns="45720" rIns="91440" bIns="45720" rtlCol="0" anchor="ctr"/>
+          <a:lstStyle/>
+          <a:p>
+            <a:endParaRPr lang="en-US"/>
+          </a:p>
+        </p:txBody>
+      </p:sp>
+      <p:sp>
+        <p:nvSpPr>
+          <p:cNvPr id="5" name="Notes Placeholder 4"/>
+          <p:cNvSpPr>
+            <a:spLocks noGrp="1"/>
+          </p:cNvSpPr>
+          <p:nvPr>
+            <p:ph type="body" sz="quarter" idx="3"/>
+          </p:nvPr>
+        </p:nvSpPr>
+        <p:spPr>
+          <a:xfrm>
+            <a:off x="685800" y="4343400"/>
+            <a:ext cx="5486400" cy="4114800"/>
+          </a:xfrm>
+          <a:prstGeom prst="rect">
+            <a:avLst/>
+          </a:prstGeom>
+        </p:spPr>
+        <p:txBody>
+          <a:bodyPr vert="horz" lIns="91440" tIns="45720" rIns="91440" bIns="45720" rtlCol="0">
+            <a:normAutofit/>
+          </a:bodyPr>
+          <a:lstStyle/>
+          <a:p>
+            <a:pPr lvl="0"/>
+            <a:r>
+              <a:rPr lang="en-US" smtClean="0"/>
+              <a:t>Click to edit Master text styles</a:t>
+            </a:r>
+          </a:p>
+          <a:p>
+            <a:pPr lvl="1"/>
+            <a:r>
+              <a:rPr lang="en-US" smtClean="0"/>
+              <a:t>Second level</a:t>
+            </a:r>
+          </a:p>
+          <a:p>
+            <a:pPr lvl="2"/>
+            <a:r>
+              <a:rPr lang="en-US" smtClean="0"/>
+              <a:t>Third level</a:t>
+            </a:r>
+          </a:p>
+          <a:p>
+            <a:pPr lvl="3"/>
+            <a:r>
+              <a:rPr lang="en-US" smtClean="0"/>
+              <a:t>Fourth level</a:t>
+            </a:r>
+          </a:p>
+          <a:p>
+            <a:pPr lvl="4"/>
+            <a:r>
+              <a:rPr lang="en-US" smtClean="0"/>
+              <a:t>Fifth level</a:t>
+            </a:r>
+            <a:endParaRPr lang="en-US"/>
+          </a:p>
+        </p:txBody>
+      </p:sp>
+      <p:sp>
+        <p:nvSpPr>
+          <p:cNvPr id="6" name="Footer Placeholder 5"/>
+          <p:cNvSpPr>
+            <a:spLocks noGrp="1"/>
+          </p:cNvSpPr>
+          <p:nvPr>
+            <p:ph type="ftr" sz="quarter" idx="4"/>
+          </p:nvPr>
+        </p:nvSpPr>
+        <p:spPr>
+          <a:xfrm>
+            <a:off x="0" y="8685213"/>
+            <a:ext cx="2971800" cy="457200"/>
+          </a:xfrm>
+          <a:prstGeom prst="rect">
+            <a:avLst/>
+          </a:prstGeom>
+        </p:spPr>
+        <p:txBody>
+          <a:bodyPr vert="horz" lIns="91440" tIns="45720" rIns="91440" bIns="45720" rtlCol="0" anchor="b"/>
+          <a:lstStyle>
+            <a:lvl1pPr algn="l">
+              <a:defRPr sz="1200"/>
+            </a:lvl1pPr>
+          </a:lstStyle>
+          <a:p>
+            <a:endParaRPr lang="en-US"/>
+          </a:p>
+        </p:txBody>
+      </p:sp>
+      <p:sp>
+        <p:nvSpPr>
+          <p:cNvPr id="7" name="Slide Number Placeholder 6"/>
+          <p:cNvSpPr>
+            <a:spLocks noGrp="1"/>
+          </p:cNvSpPr>
+          <p:nvPr>
+            <p:ph type="sldNum" sz="quarter" idx="5"/>
+          </p:nvPr>
+        </p:nvSpPr>
+        <p:spPr>
+          <a:xfrm>
+            <a:off x="3884613" y="8685213"/>
+            <a:ext cx="2971800" cy="457200"/>
+          </a:xfrm>
+          <a:prstGeom prst="rect">
+            <a:avLst/>
+          </a:prstGeom>
+        </p:spPr>
+        <p:txBody>
+          <a:bodyPr vert="horz" lIns="91440" tIns="45720" rIns="91440" bIns="45720" rtlCol="0" anchor="b"/>
+          <a:lstStyle>
+            <a:lvl1pPr algn="r">
+              <a:defRPr sz="1200"/>
+            </a:lvl1pPr>
+          </a:lstStyle>
+          <a:p>
+            <a:fld id="{EDC5C3E9-AE4C-4800-B336-BE95DBD8E7D3}" type="slidenum">
+              <a:rPr lang="en-US" smtClean="0"/>
+              <a:t>‹#›</a:t>
+            </a:fld>
+            <a:endParaRPr lang="en-US"/>
+          </a:p>
+        </p:txBody>
+      </p:sp>
+    </p:spTree>
+  </p:cSld>
+  <p:clrMap bg1="lt1" tx1="dk1" bg2="lt2" tx2="dk2" accent1="accent1" accent2="accent2" accent3="accent3" accent4="accent4" accent5="accent5" accent6="accent6" hlink="hlink" folHlink="folHlink"/>
+  <p:notesStyle>
+    <a:lvl1pPr marL="0" algn="l" defTabSz="914400" rtl="0" eaLnBrk="1" latinLnBrk="0" hangingPunct="1">
+      <a:defRPr sz="1200" kern="1200">
+        <a:solidFill>
+          <a:schemeClr val="tx1"/>
+        </a:solidFill>
+        <a:latin typeface="+mn-lt"/>
+        <a:ea typeface="+mn-ea"/>
+        <a:cs typeface="+mn-cs"/>
+      </a:defRPr>
+    </a:lvl1pPr>
+    <a:lvl2pPr marL="457200" algn="l" defTabSz="914400" rtl="0" eaLnBrk="1" latinLnBrk="0" hangingPunct="1">
+      <a:defRPr sz="1200" kern="1200">
+        <a:solidFill>
+          <a:schemeClr val="tx1"/>
+        </a:solidFill>
+        <a:latin typeface="+mn-lt"/>
+        <a:ea typeface="+mn-ea"/>
+        <a:cs typeface="+mn-cs"/>
+      </a:defRPr>
+    </a:lvl2pPr>
+    <a:lvl3pPr marL="914400" algn="l" defTabSz="914400" rtl="0" eaLnBrk="1" latinLnBrk="0" hangingPunct="1">
+      <a:defRPr sz="1200" kern="1200">
+        <a:solidFill>
+          <a:schemeClr val="tx1"/>
+        </a:solidFill>
+        <a:latin typeface="+mn-lt"/>
+        <a:ea typeface="+mn-ea"/>
+        <a:cs typeface="+mn-cs"/>
+      </a:defRPr>
+    </a:lvl3pPr>
+    <a:lvl4pPr marL="1371600" algn="l" defTabSz="914400" rtl="0" eaLnBrk="1" latinLnBrk="0" hangingPunct="1">
+      <a:defRPr sz="1200" kern="1200">
+        <a:solidFill>
+          <a:schemeClr val="tx1"/>
+        </a:solidFill>
+        <a:latin typeface="+mn-lt"/>
+        <a:ea typeface="+mn-ea"/>
+        <a:cs typeface="+mn-cs"/>
+      </a:defRPr>
+    </a:lvl4pPr>
+    <a:lvl5pPr marL="1828800" algn="l" defTabSz="914400" rtl="0" eaLnBrk="1" latinLnBrk="0" hangingPunct="1">
+      <a:defRPr sz="1200" kern="1200">
+        <a:solidFill>
+          <a:schemeClr val="tx1"/>
+        </a:solidFill>
+        <a:latin typeface="+mn-lt"/>
+        <a:ea typeface="+mn-ea"/>
+        <a:cs typeface="+mn-cs"/>
+      </a:defRPr>
+    </a:lvl5pPr>
+    <a:lvl6pPr marL="2286000" algn="l" defTabSz="914400" rtl="0" eaLnBrk="1" latinLnBrk="0" hangingPunct="1">
+      <a:defRPr sz="1200" kern="1200">
+        <a:solidFill>
+          <a:schemeClr val="tx1"/>
+        </a:solidFill>
+        <a:latin typeface="+mn-lt"/>
+        <a:ea typeface="+mn-ea"/>
+        <a:cs typeface="+mn-cs"/>
+      </a:defRPr>
+    </a:lvl6pPr>
+    <a:lvl7pPr marL="2743200" algn="l" defTabSz="914400" rtl="0" eaLnBrk="1" latinLnBrk="0" hangingPunct="1">
+      <a:defRPr sz="1200" kern="1200">
+        <a:solidFill>
+          <a:schemeClr val="tx1"/>
+        </a:solidFill>
+        <a:latin typeface="+mn-lt"/>
+        <a:ea typeface="+mn-ea"/>
+        <a:cs typeface="+mn-cs"/>
+      </a:defRPr>
+    </a:lvl7pPr>
+    <a:lvl8pPr marL="3200400" algn="l" defTabSz="914400" rtl="0" eaLnBrk="1" latinLnBrk="0" hangingPunct="1">
+      <a:defRPr sz="1200" kern="1200">
+        <a:solidFill>
+          <a:schemeClr val="tx1"/>
+        </a:solidFill>
+        <a:latin typeface="+mn-lt"/>
+        <a:ea typeface="+mn-ea"/>
+        <a:cs typeface="+mn-cs"/>
+      </a:defRPr>
+    </a:lvl8pPr>
+    <a:lvl9pPr marL="3657600" algn="l" defTabSz="914400" rtl="0" eaLnBrk="1" latinLnBrk="0" hangingPunct="1">
+      <a:defRPr sz="1200" kern="1200">
+        <a:solidFill>
+          <a:schemeClr val="tx1"/>
+        </a:solidFill>
+        <a:latin typeface="+mn-lt"/>
+        <a:ea typeface="+mn-ea"/>
+        <a:cs typeface="+mn-cs"/>
+      </a:defRPr>
+    </a:lvl9pPr>
+  </p:notesStyle>
+</p:notesMaster>
+</file>
+
+<file path=ppt/notesSlides/notesSlide1.xml><?xml version="1.0" encoding="utf-8"?>
+<p:notes xmlns:a="http://schemas.openxmlformats.org/drawingml/2006/main" xmlns:r="http://schemas.openxmlformats.org/officeDocument/2006/relationships" xmlns:p="http://schemas.openxmlformats.org/presentationml/2006/main">
+  <p:cSld>
+    <p:spTree>
+      <p:nvGrpSpPr>
+        <p:cNvPr id="1" name=""/>
+        <p:cNvGrpSpPr/>
+        <p:nvPr/>
+      </p:nvGrpSpPr>
+      <p:grpSpPr>
+        <a:xfrm>
+          <a:off x="0" y="0"/>
+          <a:ext cx="0" cy="0"/>
+          <a:chOff x="0" y="0"/>
+          <a:chExt cx="0" cy="0"/>
+        </a:xfrm>
+      </p:grpSpPr>
+      <p:sp>
+        <p:nvSpPr>
+          <p:cNvPr id="2" name="Slide Image Placeholder 1"/>
+          <p:cNvSpPr>
+            <a:spLocks noGrp="1" noRot="1" noChangeAspect="1"/>
+          </p:cNvSpPr>
+          <p:nvPr>
+            <p:ph type="sldImg"/>
+          </p:nvPr>
+        </p:nvSpPr>
+        <p:spPr/>
+      </p:sp>
+      <p:sp>
+        <p:nvSpPr>
+          <p:cNvPr id="3" name="Notes Placeholder 2"/>
+          <p:cNvSpPr>
+            <a:spLocks noGrp="1"/>
+          </p:cNvSpPr>
+          <p:nvPr>
+            <p:ph type="body" idx="1"/>
+          </p:nvPr>
+        </p:nvSpPr>
+        <p:spPr/>
+        <p:txBody>
+          <a:bodyPr>
+            <a:normAutofit/>
+          </a:bodyPr>
+          <a:lstStyle/>
+          <a:p>
+            <a:endParaRPr lang="en-US"/>
+          </a:p>
+        </p:txBody>
+      </p:sp>
+      <p:sp>
+        <p:nvSpPr>
+          <p:cNvPr id="4" name="Slide Number Placeholder 3"/>
+          <p:cNvSpPr>
+            <a:spLocks noGrp="1"/>
+          </p:cNvSpPr>
+          <p:nvPr>
+            <p:ph type="sldNum" sz="quarter" idx="10"/>
+          </p:nvPr>
+        </p:nvSpPr>
+        <p:spPr/>
+        <p:txBody>
+          <a:bodyPr/>
+          <a:lstStyle/>
+          <a:p>
+            <a:fld id="{EDC5C3E9-AE4C-4800-B336-BE95DBD8E7D3}" type="slidenum">
+              <a:rPr lang="en-US" smtClean="0"/>
+              <a:t>1</a:t>
+            </a:fld>
+            <a:endParaRPr lang="en-US"/>
+          </a:p>
+        </p:txBody>
+      </p:sp>
+    </p:spTree>
+  </p:cSld>
+  <p:clrMapOvr>
+    <a:masterClrMapping/>
+  </p:clrMapOvr>
+</p:notes>
+</file>
+
 <file path=ppt/slideLayouts/slideLayout1.xml><?xml version="1.0" encoding="utf-8"?>
 <p:sldLayout xmlns:a="http://schemas.openxmlformats.org/drawingml/2006/main" xmlns:r="http://schemas.openxmlformats.org/officeDocument/2006/relationships" xmlns:p="http://schemas.openxmlformats.org/presentationml/2006/main" type="title" preserve="1">
   <p:cSld name="Title Slide">
@@ -304,7 +736,7 @@
             <a:fld id="{8597867B-CA3F-4CC8-BB2B-A46982899BEF}" type="datetimeFigureOut">
               <a:rPr lang="en-US" smtClean="0"/>
               <a:pPr/>
-              <a:t>10/16/2024</a:t>
+              <a:t>10/20/2024</a:t>
             </a:fld>
             <a:endParaRPr lang="en-US"/>
           </a:p>
@@ -359,7 +791,7 @@
     <a:masterClrMapping/>
   </p:clrMapOvr>
   <p:transition>
-    <p:wipe dir="u"/>
+    <p:pull dir="u"/>
   </p:transition>
 </p:sldLayout>
 </file>
@@ -474,7 +906,7 @@
             <a:fld id="{8597867B-CA3F-4CC8-BB2B-A46982899BEF}" type="datetimeFigureOut">
               <a:rPr lang="en-US" smtClean="0"/>
               <a:pPr/>
-              <a:t>10/16/2024</a:t>
+              <a:t>10/20/2024</a:t>
             </a:fld>
             <a:endParaRPr lang="en-US"/>
           </a:p>
@@ -529,7 +961,7 @@
     <a:masterClrMapping/>
   </p:clrMapOvr>
   <p:transition>
-    <p:wipe dir="u"/>
+    <p:pull dir="u"/>
   </p:transition>
 </p:sldLayout>
 </file>
@@ -654,7 +1086,7 @@
             <a:fld id="{8597867B-CA3F-4CC8-BB2B-A46982899BEF}" type="datetimeFigureOut">
               <a:rPr lang="en-US" smtClean="0"/>
               <a:pPr/>
-              <a:t>10/16/2024</a:t>
+              <a:t>10/20/2024</a:t>
             </a:fld>
             <a:endParaRPr lang="en-US"/>
           </a:p>
@@ -709,7 +1141,7 @@
     <a:masterClrMapping/>
   </p:clrMapOvr>
   <p:transition>
-    <p:wipe dir="u"/>
+    <p:pull dir="u"/>
   </p:transition>
 </p:sldLayout>
 </file>
@@ -824,7 +1256,7 @@
             <a:fld id="{8597867B-CA3F-4CC8-BB2B-A46982899BEF}" type="datetimeFigureOut">
               <a:rPr lang="en-US" smtClean="0"/>
               <a:pPr/>
-              <a:t>10/16/2024</a:t>
+              <a:t>10/20/2024</a:t>
             </a:fld>
             <a:endParaRPr lang="en-US"/>
           </a:p>
@@ -879,7 +1311,7 @@
     <a:masterClrMapping/>
   </p:clrMapOvr>
   <p:transition>
-    <p:wipe dir="u"/>
+    <p:pull dir="u"/>
   </p:transition>
 </p:sldLayout>
 </file>
@@ -1070,7 +1502,7 @@
             <a:fld id="{8597867B-CA3F-4CC8-BB2B-A46982899BEF}" type="datetimeFigureOut">
               <a:rPr lang="en-US" smtClean="0"/>
               <a:pPr/>
-              <a:t>10/16/2024</a:t>
+              <a:t>10/20/2024</a:t>
             </a:fld>
             <a:endParaRPr lang="en-US"/>
           </a:p>
@@ -1125,7 +1557,7 @@
     <a:masterClrMapping/>
   </p:clrMapOvr>
   <p:transition>
-    <p:wipe dir="u"/>
+    <p:pull dir="u"/>
   </p:transition>
 </p:sldLayout>
 </file>
@@ -1358,7 +1790,7 @@
             <a:fld id="{8597867B-CA3F-4CC8-BB2B-A46982899BEF}" type="datetimeFigureOut">
               <a:rPr lang="en-US" smtClean="0"/>
               <a:pPr/>
-              <a:t>10/16/2024</a:t>
+              <a:t>10/20/2024</a:t>
             </a:fld>
             <a:endParaRPr lang="en-US"/>
           </a:p>
@@ -1413,7 +1845,7 @@
     <a:masterClrMapping/>
   </p:clrMapOvr>
   <p:transition>
-    <p:wipe dir="u"/>
+    <p:pull dir="u"/>
   </p:transition>
 </p:sldLayout>
 </file>
@@ -1780,7 +2212,7 @@
             <a:fld id="{8597867B-CA3F-4CC8-BB2B-A46982899BEF}" type="datetimeFigureOut">
               <a:rPr lang="en-US" smtClean="0"/>
               <a:pPr/>
-              <a:t>10/16/2024</a:t>
+              <a:t>10/20/2024</a:t>
             </a:fld>
             <a:endParaRPr lang="en-US"/>
           </a:p>
@@ -1835,7 +2267,7 @@
     <a:masterClrMapping/>
   </p:clrMapOvr>
   <p:transition>
-    <p:wipe dir="u"/>
+    <p:pull dir="u"/>
   </p:transition>
 </p:sldLayout>
 </file>
@@ -1898,7 +2330,7 @@
             <a:fld id="{8597867B-CA3F-4CC8-BB2B-A46982899BEF}" type="datetimeFigureOut">
               <a:rPr lang="en-US" smtClean="0"/>
               <a:pPr/>
-              <a:t>10/16/2024</a:t>
+              <a:t>10/20/2024</a:t>
             </a:fld>
             <a:endParaRPr lang="en-US"/>
           </a:p>
@@ -1953,7 +2385,7 @@
     <a:masterClrMapping/>
   </p:clrMapOvr>
   <p:transition>
-    <p:wipe dir="u"/>
+    <p:pull dir="u"/>
   </p:transition>
 </p:sldLayout>
 </file>
@@ -1993,7 +2425,7 @@
             <a:fld id="{8597867B-CA3F-4CC8-BB2B-A46982899BEF}" type="datetimeFigureOut">
               <a:rPr lang="en-US" smtClean="0"/>
               <a:pPr/>
-              <a:t>10/16/2024</a:t>
+              <a:t>10/20/2024</a:t>
             </a:fld>
             <a:endParaRPr lang="en-US"/>
           </a:p>
@@ -2048,7 +2480,7 @@
     <a:masterClrMapping/>
   </p:clrMapOvr>
   <p:transition>
-    <p:wipe dir="u"/>
+    <p:pull dir="u"/>
   </p:transition>
 </p:sldLayout>
 </file>
@@ -2270,7 +2702,7 @@
             <a:fld id="{8597867B-CA3F-4CC8-BB2B-A46982899BEF}" type="datetimeFigureOut">
               <a:rPr lang="en-US" smtClean="0"/>
               <a:pPr/>
-              <a:t>10/16/2024</a:t>
+              <a:t>10/20/2024</a:t>
             </a:fld>
             <a:endParaRPr lang="en-US"/>
           </a:p>
@@ -2325,7 +2757,7 @@
     <a:masterClrMapping/>
   </p:clrMapOvr>
   <p:transition>
-    <p:wipe dir="u"/>
+    <p:pull dir="u"/>
   </p:transition>
 </p:sldLayout>
 </file>
@@ -2523,7 +2955,7 @@
             <a:fld id="{8597867B-CA3F-4CC8-BB2B-A46982899BEF}" type="datetimeFigureOut">
               <a:rPr lang="en-US" smtClean="0"/>
               <a:pPr/>
-              <a:t>10/16/2024</a:t>
+              <a:t>10/20/2024</a:t>
             </a:fld>
             <a:endParaRPr lang="en-US"/>
           </a:p>
@@ -2578,7 +3010,7 @@
     <a:masterClrMapping/>
   </p:clrMapOvr>
   <p:transition>
-    <p:wipe dir="u"/>
+    <p:pull dir="u"/>
   </p:transition>
 </p:sldLayout>
 </file>
@@ -2745,7 +3177,7 @@
             <a:fld id="{8597867B-CA3F-4CC8-BB2B-A46982899BEF}" type="datetimeFigureOut">
               <a:rPr lang="en-US" smtClean="0"/>
               <a:pPr/>
-              <a:t>10/16/2024</a:t>
+              <a:t>10/20/2024</a:t>
             </a:fld>
             <a:endParaRPr lang="en-US"/>
           </a:p>
@@ -2847,7 +3279,7 @@
     <p:sldLayoutId id="2147483659" r:id="rId11"/>
   </p:sldLayoutIdLst>
   <p:transition>
-    <p:wipe dir="u"/>
+    <p:pull dir="u"/>
   </p:transition>
   <p:txStyles>
     <p:titleStyle>
@@ -3147,7 +3579,23 @@
                   <a:schemeClr val="bg1"/>
                 </a:solidFill>
               </a:rPr>
-              <a:t>Securing and Scaling the Network Infrastructure for MLK</a:t>
+              <a:t>Securing and Scaling the Network Infrastructure for </a:t>
+            </a:r>
+            <a:r>
+              <a:rPr lang="en-US" b="1" i="1" dirty="0" smtClean="0">
+                <a:solidFill>
+                  <a:schemeClr val="bg1"/>
+                </a:solidFill>
+              </a:rPr>
+              <a:t>ITC</a:t>
+            </a:r>
+            <a:r>
+              <a:rPr lang="en-US" b="1" i="1" dirty="0" smtClean="0">
+                <a:solidFill>
+                  <a:schemeClr val="bg1"/>
+                </a:solidFill>
+              </a:rPr>
+              <a:t/>
             </a:r>
             <a:br>
               <a:rPr lang="en-US" b="1" i="1" dirty="0" smtClean="0">
@@ -3214,13 +3662,76 @@
           </a:p>
         </p:txBody>
       </p:sp>
+      <p:grpSp>
+        <p:nvGrpSpPr>
+          <p:cNvPr id="7" name="Group 6"/>
+          <p:cNvGrpSpPr/>
+          <p:nvPr/>
+        </p:nvGrpSpPr>
+        <p:grpSpPr>
+          <a:xfrm>
+            <a:off x="0" y="-24"/>
+            <a:ext cx="9144000" cy="714355"/>
+            <a:chOff x="0" y="-24"/>
+            <a:chExt cx="9144000" cy="714355"/>
+          </a:xfrm>
+        </p:grpSpPr>
+        <p:pic>
+          <p:nvPicPr>
+            <p:cNvPr id="5" name="Picture 4" descr="Screenshot_1.png"/>
+            <p:cNvPicPr>
+              <a:picLocks noChangeAspect="1"/>
+            </p:cNvPicPr>
+            <p:nvPr/>
+          </p:nvPicPr>
+          <p:blipFill>
+            <a:blip r:embed="rId3"/>
+            <a:stretch>
+              <a:fillRect/>
+            </a:stretch>
+          </p:blipFill>
+          <p:spPr>
+            <a:xfrm>
+              <a:off x="8377430" y="0"/>
+              <a:ext cx="766570" cy="657060"/>
+            </a:xfrm>
+            <a:prstGeom prst="rect">
+              <a:avLst/>
+            </a:prstGeom>
+          </p:spPr>
+        </p:pic>
+        <p:pic>
+          <p:nvPicPr>
+            <p:cNvPr id="6" name="Picture 5" descr="Screenshot_2.png"/>
+            <p:cNvPicPr>
+              <a:picLocks noChangeAspect="1"/>
+            </p:cNvPicPr>
+            <p:nvPr/>
+          </p:nvPicPr>
+          <p:blipFill>
+            <a:blip r:embed="rId4"/>
+            <a:stretch>
+              <a:fillRect/>
+            </a:stretch>
+          </p:blipFill>
+          <p:spPr>
+            <a:xfrm>
+              <a:off x="0" y="-24"/>
+              <a:ext cx="714348" cy="714355"/>
+            </a:xfrm>
+            <a:prstGeom prst="rect">
+              <a:avLst/>
+            </a:prstGeom>
+          </p:spPr>
+        </p:pic>
+      </p:grpSp>
     </p:spTree>
   </p:cSld>
   <p:clrMapOvr>
     <a:masterClrMapping/>
   </p:clrMapOvr>
   <p:transition>
-    <p:wipe dir="u"/>
+    <p:pull dir="u"/>
   </p:transition>
   <p:timing>
     <p:tnLst>
@@ -3267,20 +3778,12 @@
           <a:lstStyle/>
           <a:p>
             <a:r>
-              <a:rPr lang="en-US" b="1" dirty="0" smtClean="0">
-                <a:solidFill>
-                  <a:schemeClr val="bg1"/>
-                </a:solidFill>
-              </a:rPr>
-              <a:t>Phase 3 - Hardware and Software </a:t>
-            </a:r>
-            <a:r>
-              <a:rPr lang="en-US" b="1" dirty="0" smtClean="0">
-                <a:solidFill>
-                  <a:schemeClr val="bg1"/>
-                </a:solidFill>
-              </a:rPr>
-              <a:t>Configuration</a:t>
+              <a:rPr lang="en-US" dirty="0" smtClean="0">
+                <a:solidFill>
+                  <a:schemeClr val="bg1"/>
+                </a:solidFill>
+              </a:rPr>
+              <a:t>Phase 2 - Network Design and Scalability Considerations</a:t>
             </a:r>
             <a:endParaRPr lang="en-US" dirty="0">
               <a:solidFill>
@@ -3302,9 +3805,7 @@
         </p:nvSpPr>
         <p:spPr/>
         <p:txBody>
-          <a:bodyPr>
-            <a:normAutofit fontScale="92500" lnSpcReduction="10000"/>
-          </a:bodyPr>
+          <a:bodyPr/>
           <a:lstStyle/>
           <a:p>
             <a:pPr>
@@ -3323,7 +3824,7 @@
                   <a:schemeClr val="bg1"/>
                 </a:solidFill>
               </a:rPr>
-              <a:t>Hardware Setup</a:t>
+              <a:t>Design Highlights</a:t>
             </a:r>
             <a:endParaRPr lang="en-US" dirty="0" smtClean="0">
               <a:solidFill>
@@ -3339,7 +3840,23 @@
                   <a:schemeClr val="bg1"/>
                 </a:solidFill>
               </a:rPr>
-              <a:t>Cisco ASA 5506-X firewalls.</a:t>
+              <a:t>Implemented </a:t>
+            </a:r>
+            <a:r>
+              <a:rPr lang="en-US" dirty="0" err="1" smtClean="0">
+                <a:solidFill>
+                  <a:schemeClr val="bg1"/>
+                </a:solidFill>
+              </a:rPr>
+              <a:t>EtherChannel</a:t>
+            </a:r>
+            <a:r>
+              <a:rPr lang="en-US" dirty="0" smtClean="0">
+                <a:solidFill>
+                  <a:schemeClr val="bg1"/>
+                </a:solidFill>
+              </a:rPr>
+              <a:t> (LACP) for link aggregation.</a:t>
             </a:r>
           </a:p>
           <a:p>
@@ -3350,18 +3867,39 @@
                   <a:schemeClr val="bg1"/>
                 </a:solidFill>
               </a:rPr>
-              <a:t>Catalyst 3650 and 2960 switches.</a:t>
-            </a:r>
-          </a:p>
-          <a:p>
-            <a:pPr lvl="1"/>
+              <a:t>Enabled STP </a:t>
+            </a:r>
+            <a:r>
+              <a:rPr lang="en-US" dirty="0" err="1" smtClean="0">
+                <a:solidFill>
+                  <a:schemeClr val="bg1"/>
+                </a:solidFill>
+              </a:rPr>
+              <a:t>PortFast</a:t>
+            </a:r>
             <a:r>
               <a:rPr lang="en-US" dirty="0" smtClean="0">
                 <a:solidFill>
                   <a:schemeClr val="bg1"/>
                 </a:solidFill>
               </a:rPr>
-              <a:t>Wireless LAN Controllers (WLC) for managing access points.</a:t>
+              <a:t> and </a:t>
+            </a:r>
+            <a:r>
+              <a:rPr lang="en-US" dirty="0" err="1" smtClean="0">
+                <a:solidFill>
+                  <a:schemeClr val="bg1"/>
+                </a:solidFill>
+              </a:rPr>
+              <a:t>BPDUguard</a:t>
+            </a:r>
+            <a:r>
+              <a:rPr lang="en-US" dirty="0" smtClean="0">
+                <a:solidFill>
+                  <a:schemeClr val="bg1"/>
+                </a:solidFill>
+              </a:rPr>
+              <a:t> for network protection.</a:t>
             </a:r>
           </a:p>
           <a:p>
@@ -3371,7 +3909,7 @@
                   <a:schemeClr val="bg1"/>
                 </a:solidFill>
               </a:rPr>
-              <a:t>Software Setup</a:t>
+              <a:t>Future Growth</a:t>
             </a:r>
             <a:endParaRPr lang="en-US" dirty="0" smtClean="0">
               <a:solidFill>
@@ -3387,18 +3925,7 @@
                   <a:schemeClr val="bg1"/>
                 </a:solidFill>
               </a:rPr>
-              <a:t>Configured OSPF routing protocol for dynamic routing.</a:t>
-            </a:r>
-          </a:p>
-          <a:p>
-            <a:pPr lvl="1"/>
-            <a:r>
-              <a:rPr lang="en-US" dirty="0" smtClean="0">
-                <a:solidFill>
-                  <a:schemeClr val="bg1"/>
-                </a:solidFill>
-              </a:rPr>
-              <a:t>Established basic security settings (hostnames, passwords, SSH).</a:t>
+              <a:t>Designed to support up to 50,000 users by 2030.</a:t>
             </a:r>
             <a:endParaRPr lang="en-US" dirty="0">
               <a:solidFill>
@@ -3408,13 +3935,76 @@
           </a:p>
         </p:txBody>
       </p:sp>
+      <p:grpSp>
+        <p:nvGrpSpPr>
+          <p:cNvPr id="4" name="Group 3"/>
+          <p:cNvGrpSpPr/>
+          <p:nvPr/>
+        </p:nvGrpSpPr>
+        <p:grpSpPr>
+          <a:xfrm>
+            <a:off x="0" y="-24"/>
+            <a:ext cx="9144000" cy="714355"/>
+            <a:chOff x="0" y="-24"/>
+            <a:chExt cx="9144000" cy="714355"/>
+          </a:xfrm>
+        </p:grpSpPr>
+        <p:pic>
+          <p:nvPicPr>
+            <p:cNvPr id="5" name="Picture 4" descr="Screenshot_1.png"/>
+            <p:cNvPicPr>
+              <a:picLocks noChangeAspect="1"/>
+            </p:cNvPicPr>
+            <p:nvPr/>
+          </p:nvPicPr>
+          <p:blipFill>
+            <a:blip r:embed="rId2"/>
+            <a:stretch>
+              <a:fillRect/>
+            </a:stretch>
+          </p:blipFill>
+          <p:spPr>
+            <a:xfrm>
+              <a:off x="8377430" y="0"/>
+              <a:ext cx="766570" cy="657060"/>
+            </a:xfrm>
+            <a:prstGeom prst="rect">
+              <a:avLst/>
+            </a:prstGeom>
+          </p:spPr>
+        </p:pic>
+        <p:pic>
+          <p:nvPicPr>
+            <p:cNvPr id="6" name="Picture 5" descr="Screenshot_2.png"/>
+            <p:cNvPicPr>
+              <a:picLocks noChangeAspect="1"/>
+            </p:cNvPicPr>
+            <p:nvPr/>
+          </p:nvPicPr>
+          <p:blipFill>
+            <a:blip r:embed="rId3"/>
+            <a:stretch>
+              <a:fillRect/>
+            </a:stretch>
+          </p:blipFill>
+          <p:spPr>
+            <a:xfrm>
+              <a:off x="0" y="-24"/>
+              <a:ext cx="714348" cy="714355"/>
+            </a:xfrm>
+            <a:prstGeom prst="rect">
+              <a:avLst/>
+            </a:prstGeom>
+          </p:spPr>
+        </p:pic>
+      </p:grpSp>
     </p:spTree>
   </p:cSld>
   <p:clrMapOvr>
     <a:masterClrMapping/>
   </p:clrMapOvr>
   <p:transition>
-    <p:wipe dir="u"/>
+    <p:pull dir="u"/>
   </p:transition>
   <p:timing>
     <p:tnLst>
@@ -3455,16 +4045,18 @@
         </p:nvSpPr>
         <p:spPr/>
         <p:txBody>
-          <a:bodyPr/>
+          <a:bodyPr>
+            <a:normAutofit fontScale="90000"/>
+          </a:bodyPr>
           <a:lstStyle/>
           <a:p>
             <a:r>
-              <a:rPr lang="en-US" dirty="0" smtClean="0">
-                <a:solidFill>
-                  <a:schemeClr val="bg1"/>
-                </a:solidFill>
-              </a:rPr>
-              <a:t>Phase 4 - Security Enhancements</a:t>
+              <a:rPr lang="en-US" b="1" dirty="0" smtClean="0">
+                <a:solidFill>
+                  <a:schemeClr val="bg1"/>
+                </a:solidFill>
+              </a:rPr>
+              <a:t>Phase 3 - Hardware and Software Configuration</a:t>
             </a:r>
             <a:endParaRPr lang="en-US" dirty="0">
               <a:solidFill>
@@ -3486,16 +4078,28 @@
         </p:nvSpPr>
         <p:spPr/>
         <p:txBody>
-          <a:bodyPr/>
+          <a:bodyPr>
+            <a:normAutofit fontScale="92500" lnSpcReduction="10000"/>
+          </a:bodyPr>
           <a:lstStyle/>
           <a:p>
+            <a:pPr>
+              <a:buNone/>
+            </a:pPr>
+            <a:endParaRPr lang="en-US" b="1" dirty="0" smtClean="0">
+              <a:solidFill>
+                <a:schemeClr val="bg1"/>
+              </a:solidFill>
+            </a:endParaRPr>
+          </a:p>
+          <a:p>
             <a:r>
               <a:rPr lang="en-US" b="1" dirty="0" smtClean="0">
                 <a:solidFill>
                   <a:schemeClr val="bg1"/>
                 </a:solidFill>
               </a:rPr>
-              <a:t>Goals</a:t>
+              <a:t>Hardware Setup</a:t>
             </a:r>
             <a:endParaRPr lang="en-US" dirty="0" smtClean="0">
               <a:solidFill>
@@ -3511,7 +4115,29 @@
                   <a:schemeClr val="bg1"/>
                 </a:solidFill>
               </a:rPr>
-              <a:t>Ensure secure communication across the network.</a:t>
+              <a:t>Cisco ASA 5506-X firewalls.</a:t>
+            </a:r>
+          </a:p>
+          <a:p>
+            <a:pPr lvl="1"/>
+            <a:r>
+              <a:rPr lang="en-US" dirty="0" smtClean="0">
+                <a:solidFill>
+                  <a:schemeClr val="bg1"/>
+                </a:solidFill>
+              </a:rPr>
+              <a:t>Catalyst 3650 and 2960 switches.</a:t>
+            </a:r>
+          </a:p>
+          <a:p>
+            <a:pPr lvl="1"/>
+            <a:r>
+              <a:rPr lang="en-US" dirty="0" smtClean="0">
+                <a:solidFill>
+                  <a:schemeClr val="bg1"/>
+                </a:solidFill>
+              </a:rPr>
+              <a:t>Wireless LAN Controllers (WLC) for managing access points.</a:t>
             </a:r>
           </a:p>
           <a:p>
@@ -3521,7 +4147,7 @@
                   <a:schemeClr val="bg1"/>
                 </a:solidFill>
               </a:rPr>
-              <a:t>Key Actions</a:t>
+              <a:t>Software Setup</a:t>
             </a:r>
             <a:endParaRPr lang="en-US" dirty="0" smtClean="0">
               <a:solidFill>
@@ -3537,7 +4163,7 @@
                   <a:schemeClr val="bg1"/>
                 </a:solidFill>
               </a:rPr>
-              <a:t>Configuration of Cisco ASA Firewalls for security zones.</a:t>
+              <a:t>Configured OSPF routing protocol for dynamic routing.</a:t>
             </a:r>
           </a:p>
           <a:p>
@@ -3548,10 +4174,8 @@
                   <a:schemeClr val="bg1"/>
                 </a:solidFill>
               </a:rPr>
-              <a:t>Established ACLs to restrict administrative access.</a:t>
-            </a:r>
-          </a:p>
-          <a:p>
+              <a:t>Established basic security settings (hostnames, passwords, SSH).</a:t>
+            </a:r>
             <a:endParaRPr lang="en-US" dirty="0">
               <a:solidFill>
                 <a:schemeClr val="bg1"/>
@@ -3560,13 +4184,76 @@
           </a:p>
         </p:txBody>
       </p:sp>
+      <p:grpSp>
+        <p:nvGrpSpPr>
+          <p:cNvPr id="4" name="Group 3"/>
+          <p:cNvGrpSpPr/>
+          <p:nvPr/>
+        </p:nvGrpSpPr>
+        <p:grpSpPr>
+          <a:xfrm>
+            <a:off x="0" y="-24"/>
+            <a:ext cx="9144000" cy="714355"/>
+            <a:chOff x="0" y="-24"/>
+            <a:chExt cx="9144000" cy="714355"/>
+          </a:xfrm>
+        </p:grpSpPr>
+        <p:pic>
+          <p:nvPicPr>
+            <p:cNvPr id="5" name="Picture 4" descr="Screenshot_1.png"/>
+            <p:cNvPicPr>
+              <a:picLocks noChangeAspect="1"/>
+            </p:cNvPicPr>
+            <p:nvPr/>
+          </p:nvPicPr>
+          <p:blipFill>
+            <a:blip r:embed="rId2"/>
+            <a:stretch>
+              <a:fillRect/>
+            </a:stretch>
+          </p:blipFill>
+          <p:spPr>
+            <a:xfrm>
+              <a:off x="8377430" y="0"/>
+              <a:ext cx="766570" cy="657060"/>
+            </a:xfrm>
+            <a:prstGeom prst="rect">
+              <a:avLst/>
+            </a:prstGeom>
+          </p:spPr>
+        </p:pic>
+        <p:pic>
+          <p:nvPicPr>
+            <p:cNvPr id="6" name="Picture 5" descr="Screenshot_2.png"/>
+            <p:cNvPicPr>
+              <a:picLocks noChangeAspect="1"/>
+            </p:cNvPicPr>
+            <p:nvPr/>
+          </p:nvPicPr>
+          <p:blipFill>
+            <a:blip r:embed="rId3"/>
+            <a:stretch>
+              <a:fillRect/>
+            </a:stretch>
+          </p:blipFill>
+          <p:spPr>
+            <a:xfrm>
+              <a:off x="0" y="-24"/>
+              <a:ext cx="714348" cy="714355"/>
+            </a:xfrm>
+            <a:prstGeom prst="rect">
+              <a:avLst/>
+            </a:prstGeom>
+          </p:spPr>
+        </p:pic>
+      </p:grpSp>
     </p:spTree>
   </p:cSld>
   <p:clrMapOvr>
     <a:masterClrMapping/>
   </p:clrMapOvr>
   <p:transition>
-    <p:wipe dir="u"/>
+    <p:pull dir="u"/>
   </p:transition>
   <p:timing>
     <p:tnLst>
@@ -3607,20 +4294,18 @@
         </p:nvSpPr>
         <p:spPr/>
         <p:txBody>
-          <a:bodyPr>
-            <a:normAutofit/>
-          </a:bodyPr>
+          <a:bodyPr/>
           <a:lstStyle/>
           <a:p>
             <a:r>
-              <a:rPr lang="en-US" b="1" dirty="0" smtClean="0">
-                <a:solidFill>
-                  <a:schemeClr val="bg1"/>
-                </a:solidFill>
-              </a:rPr>
-              <a:t>Key Technologies and Components</a:t>
-            </a:r>
-            <a:endParaRPr lang="en-US" b="1" dirty="0">
+              <a:rPr lang="en-US" dirty="0" smtClean="0">
+                <a:solidFill>
+                  <a:schemeClr val="bg1"/>
+                </a:solidFill>
+              </a:rPr>
+              <a:t>Phase 4 - Security Enhancements</a:t>
+            </a:r>
+            <a:endParaRPr lang="en-US" dirty="0">
               <a:solidFill>
                 <a:schemeClr val="bg1"/>
               </a:solidFill>
@@ -3640,28 +4325,16 @@
         </p:nvSpPr>
         <p:spPr/>
         <p:txBody>
-          <a:bodyPr>
-            <a:normAutofit lnSpcReduction="10000"/>
-          </a:bodyPr>
+          <a:bodyPr/>
           <a:lstStyle/>
           <a:p>
-            <a:pPr>
-              <a:buNone/>
-            </a:pPr>
-            <a:endParaRPr lang="en-US" b="1" dirty="0" smtClean="0">
-              <a:solidFill>
-                <a:schemeClr val="bg1"/>
-              </a:solidFill>
-            </a:endParaRPr>
-          </a:p>
-          <a:p>
             <a:r>
               <a:rPr lang="en-US" b="1" dirty="0" smtClean="0">
                 <a:solidFill>
                   <a:schemeClr val="bg1"/>
                 </a:solidFill>
               </a:rPr>
-              <a:t>Firewalls and Security Zones</a:t>
+              <a:t>Goals</a:t>
             </a:r>
             <a:endParaRPr lang="en-US" dirty="0" smtClean="0">
               <a:solidFill>
@@ -3677,7 +4350,7 @@
                   <a:schemeClr val="bg1"/>
                 </a:solidFill>
               </a:rPr>
-              <a:t>Use of Cisco ASA 5506-X firewalls for secure segmentation.</a:t>
+              <a:t>Ensure secure communication across the network.</a:t>
             </a:r>
           </a:p>
           <a:p>
@@ -3687,7 +4360,7 @@
                   <a:schemeClr val="bg1"/>
                 </a:solidFill>
               </a:rPr>
-              <a:t>Routing and Switching Infrastructure</a:t>
+              <a:t>Key Actions</a:t>
             </a:r>
             <a:endParaRPr lang="en-US" dirty="0" smtClean="0">
               <a:solidFill>
@@ -3703,23 +4376,8 @@
                   <a:schemeClr val="bg1"/>
                 </a:solidFill>
               </a:rPr>
-              <a:t>Multilayer switches for data forwarding and routing.</a:t>
-            </a:r>
-          </a:p>
-          <a:p>
-            <a:r>
-              <a:rPr lang="en-US" b="1" dirty="0" smtClean="0">
-                <a:solidFill>
-                  <a:schemeClr val="bg1"/>
-                </a:solidFill>
-              </a:rPr>
-              <a:t>Wireless LAN Infrastructure</a:t>
-            </a:r>
-            <a:endParaRPr lang="en-US" dirty="0" smtClean="0">
-              <a:solidFill>
-                <a:schemeClr val="bg1"/>
-              </a:solidFill>
-            </a:endParaRPr>
+              <a:t>Configuration of Cisco ASA Firewalls for security zones.</a:t>
+            </a:r>
           </a:p>
           <a:p>
             <a:pPr lvl="1"/>
@@ -3729,8 +4387,10 @@
                   <a:schemeClr val="bg1"/>
                 </a:solidFill>
               </a:rPr>
-              <a:t>Centrally managed wireless network with WLC.</a:t>
-            </a:r>
+              <a:t>Established ACLs to restrict administrative access.</a:t>
+            </a:r>
+          </a:p>
+          <a:p>
             <a:endParaRPr lang="en-US" dirty="0">
               <a:solidFill>
                 <a:schemeClr val="bg1"/>
@@ -3739,14 +4399,84 @@
           </a:p>
         </p:txBody>
       </p:sp>
+      <p:grpSp>
+        <p:nvGrpSpPr>
+          <p:cNvPr id="4" name="Group 3"/>
+          <p:cNvGrpSpPr/>
+          <p:nvPr/>
+        </p:nvGrpSpPr>
+        <p:grpSpPr>
+          <a:xfrm>
+            <a:off x="0" y="-24"/>
+            <a:ext cx="9144000" cy="714355"/>
+            <a:chOff x="0" y="-24"/>
+            <a:chExt cx="9144000" cy="714355"/>
+          </a:xfrm>
+        </p:grpSpPr>
+        <p:pic>
+          <p:nvPicPr>
+            <p:cNvPr id="5" name="Picture 4" descr="Screenshot_1.png"/>
+            <p:cNvPicPr>
+              <a:picLocks noChangeAspect="1"/>
+            </p:cNvPicPr>
+            <p:nvPr/>
+          </p:nvPicPr>
+          <p:blipFill>
+            <a:blip r:embed="rId2"/>
+            <a:stretch>
+              <a:fillRect/>
+            </a:stretch>
+          </p:blipFill>
+          <p:spPr>
+            <a:xfrm>
+              <a:off x="8377430" y="0"/>
+              <a:ext cx="766570" cy="657060"/>
+            </a:xfrm>
+            <a:prstGeom prst="rect">
+              <a:avLst/>
+            </a:prstGeom>
+          </p:spPr>
+        </p:pic>
+        <p:pic>
+          <p:nvPicPr>
+            <p:cNvPr id="6" name="Picture 5" descr="Screenshot_2.png"/>
+            <p:cNvPicPr>
+              <a:picLocks noChangeAspect="1"/>
+            </p:cNvPicPr>
+            <p:nvPr/>
+          </p:nvPicPr>
+          <p:blipFill>
+            <a:blip r:embed="rId3"/>
+            <a:stretch>
+              <a:fillRect/>
+            </a:stretch>
+          </p:blipFill>
+          <p:spPr>
+            <a:xfrm>
+              <a:off x="0" y="-24"/>
+              <a:ext cx="714348" cy="714355"/>
+            </a:xfrm>
+            <a:prstGeom prst="rect">
+              <a:avLst/>
+            </a:prstGeom>
+          </p:spPr>
+        </p:pic>
+      </p:grpSp>
     </p:spTree>
   </p:cSld>
   <p:clrMapOvr>
     <a:masterClrMapping/>
   </p:clrMapOvr>
   <p:transition>
-    <p:wipe dir="u"/>
+    <p:pull dir="u"/>
   </p:transition>
+  <p:timing>
+    <p:tnLst>
+      <p:par>
+        <p:cTn id="1" dur="indefinite" restart="never" nodeType="tmRoot"/>
+      </p:par>
+    </p:tnLst>
+  </p:timing>
 </p:sld>
 </file>
 
@@ -3779,7 +4509,9 @@
         </p:nvSpPr>
         <p:spPr/>
         <p:txBody>
-          <a:bodyPr/>
+          <a:bodyPr>
+            <a:normAutofit/>
+          </a:bodyPr>
           <a:lstStyle/>
           <a:p>
             <a:r>
@@ -3788,15 +4520,7 @@
                   <a:schemeClr val="bg1"/>
                 </a:solidFill>
               </a:rPr>
-              <a:t>Addressing and </a:t>
-            </a:r>
-            <a:r>
-              <a:rPr lang="en-US" b="1" dirty="0" err="1" smtClean="0">
-                <a:solidFill>
-                  <a:schemeClr val="bg1"/>
-                </a:solidFill>
-              </a:rPr>
-              <a:t>Subnetting</a:t>
+              <a:t>Key Technologies and Components</a:t>
             </a:r>
             <a:endParaRPr lang="en-US" b="1" dirty="0">
               <a:solidFill>
@@ -3816,15 +4540,10 @@
             <p:ph idx="1"/>
           </p:nvPr>
         </p:nvSpPr>
-        <p:spPr>
-          <a:xfrm>
-            <a:off x="0" y="1600200"/>
-            <a:ext cx="9144000" cy="4525963"/>
-          </a:xfrm>
-        </p:spPr>
+        <p:spPr/>
         <p:txBody>
           <a:bodyPr>
-            <a:normAutofit/>
+            <a:normAutofit lnSpcReduction="10000"/>
           </a:bodyPr>
           <a:lstStyle/>
           <a:p>
@@ -3839,20 +4558,12 @@
           </a:p>
           <a:p>
             <a:r>
-              <a:rPr lang="en-US" b="1" dirty="0" err="1" smtClean="0">
-                <a:solidFill>
-                  <a:schemeClr val="bg1"/>
-                </a:solidFill>
-              </a:rPr>
-              <a:t>Subnetting</a:t>
-            </a:r>
-            <a:r>
               <a:rPr lang="en-US" b="1" dirty="0" smtClean="0">
                 <a:solidFill>
                   <a:schemeClr val="bg1"/>
                 </a:solidFill>
               </a:rPr>
-              <a:t> Details</a:t>
+              <a:t>Firewalls and Security Zones</a:t>
             </a:r>
             <a:endParaRPr lang="en-US" dirty="0" smtClean="0">
               <a:solidFill>
@@ -3868,40 +4579,7 @@
                   <a:schemeClr val="bg1"/>
                 </a:solidFill>
               </a:rPr>
-              <a:t>Management: 192.168.10.0/24</a:t>
-            </a:r>
-          </a:p>
-          <a:p>
-            <a:pPr lvl="1"/>
-            <a:r>
-              <a:rPr lang="en-US" dirty="0" smtClean="0">
-                <a:solidFill>
-                  <a:schemeClr val="bg1"/>
-                </a:solidFill>
-              </a:rPr>
-              <a:t>WLAN: 10.10.0.0/16 (Main), 10.11.0.0/16 (Branch)</a:t>
-            </a:r>
-          </a:p>
-          <a:p>
-            <a:pPr lvl="1"/>
-            <a:r>
-              <a:rPr lang="en-US" dirty="0" smtClean="0">
-                <a:solidFill>
-                  <a:schemeClr val="bg1"/>
-                </a:solidFill>
-              </a:rPr>
-              <a:t>DMZ: 10.20.20.0/27</a:t>
-            </a:r>
-          </a:p>
-          <a:p>
-            <a:pPr lvl="1"/>
-            <a:r>
-              <a:rPr lang="en-US" dirty="0" smtClean="0">
-                <a:solidFill>
-                  <a:schemeClr val="bg1"/>
-                </a:solidFill>
-              </a:rPr>
-              <a:t>LAN: 172.16.0.0/16 (Main), 172.17.0.0/16 (Branch)</a:t>
+              <a:t>Use of Cisco ASA 5506-X firewalls for secure segmentation.</a:t>
             </a:r>
           </a:p>
           <a:p>
@@ -3911,7 +4589,7 @@
                   <a:schemeClr val="bg1"/>
                 </a:solidFill>
               </a:rPr>
-              <a:t>Public Addressing</a:t>
+              <a:t>Routing and Switching Infrastructure</a:t>
             </a:r>
             <a:endParaRPr lang="en-US" dirty="0" smtClean="0">
               <a:solidFill>
@@ -3927,7 +4605,33 @@
                   <a:schemeClr val="bg1"/>
                 </a:solidFill>
               </a:rPr>
-              <a:t>105.100.50.0/30 (Main), 205.200.100.0/30 (Branch)</a:t>
+              <a:t>Multilayer switches for data forwarding and routing.</a:t>
+            </a:r>
+          </a:p>
+          <a:p>
+            <a:r>
+              <a:rPr lang="en-US" b="1" dirty="0" smtClean="0">
+                <a:solidFill>
+                  <a:schemeClr val="bg1"/>
+                </a:solidFill>
+              </a:rPr>
+              <a:t>Wireless LAN Infrastructure</a:t>
+            </a:r>
+            <a:endParaRPr lang="en-US" dirty="0" smtClean="0">
+              <a:solidFill>
+                <a:schemeClr val="bg1"/>
+              </a:solidFill>
+            </a:endParaRPr>
+          </a:p>
+          <a:p>
+            <a:pPr lvl="1"/>
+            <a:r>
+              <a:rPr lang="en-US" dirty="0" smtClean="0">
+                <a:solidFill>
+                  <a:schemeClr val="bg1"/>
+                </a:solidFill>
+              </a:rPr>
+              <a:t>Centrally managed wireless network with WLC.</a:t>
             </a:r>
             <a:endParaRPr lang="en-US" dirty="0">
               <a:solidFill>
@@ -3937,13 +4641,76 @@
           </a:p>
         </p:txBody>
       </p:sp>
+      <p:grpSp>
+        <p:nvGrpSpPr>
+          <p:cNvPr id="4" name="Group 3"/>
+          <p:cNvGrpSpPr/>
+          <p:nvPr/>
+        </p:nvGrpSpPr>
+        <p:grpSpPr>
+          <a:xfrm>
+            <a:off x="0" y="-24"/>
+            <a:ext cx="9144000" cy="714355"/>
+            <a:chOff x="0" y="-24"/>
+            <a:chExt cx="9144000" cy="714355"/>
+          </a:xfrm>
+        </p:grpSpPr>
+        <p:pic>
+          <p:nvPicPr>
+            <p:cNvPr id="5" name="Picture 4" descr="Screenshot_1.png"/>
+            <p:cNvPicPr>
+              <a:picLocks noChangeAspect="1"/>
+            </p:cNvPicPr>
+            <p:nvPr/>
+          </p:nvPicPr>
+          <p:blipFill>
+            <a:blip r:embed="rId2"/>
+            <a:stretch>
+              <a:fillRect/>
+            </a:stretch>
+          </p:blipFill>
+          <p:spPr>
+            <a:xfrm>
+              <a:off x="8377430" y="0"/>
+              <a:ext cx="766570" cy="657060"/>
+            </a:xfrm>
+            <a:prstGeom prst="rect">
+              <a:avLst/>
+            </a:prstGeom>
+          </p:spPr>
+        </p:pic>
+        <p:pic>
+          <p:nvPicPr>
+            <p:cNvPr id="6" name="Picture 5" descr="Screenshot_2.png"/>
+            <p:cNvPicPr>
+              <a:picLocks noChangeAspect="1"/>
+            </p:cNvPicPr>
+            <p:nvPr/>
+          </p:nvPicPr>
+          <p:blipFill>
+            <a:blip r:embed="rId3"/>
+            <a:stretch>
+              <a:fillRect/>
+            </a:stretch>
+          </p:blipFill>
+          <p:spPr>
+            <a:xfrm>
+              <a:off x="0" y="-24"/>
+              <a:ext cx="714348" cy="714355"/>
+            </a:xfrm>
+            <a:prstGeom prst="rect">
+              <a:avLst/>
+            </a:prstGeom>
+          </p:spPr>
+        </p:pic>
+      </p:grpSp>
     </p:spTree>
   </p:cSld>
   <p:clrMapOvr>
     <a:masterClrMapping/>
   </p:clrMapOvr>
   <p:transition>
-    <p:wipe dir="u"/>
+    <p:pull dir="u"/>
   </p:transition>
 </p:sld>
 </file>
@@ -3986,7 +4753,15 @@
                   <a:schemeClr val="bg1"/>
                 </a:solidFill>
               </a:rPr>
-              <a:t>Challenges and Solutions</a:t>
+              <a:t>Addressing and </a:t>
+            </a:r>
+            <a:r>
+              <a:rPr lang="en-US" b="1" dirty="0" err="1" smtClean="0">
+                <a:solidFill>
+                  <a:schemeClr val="bg1"/>
+                </a:solidFill>
+              </a:rPr>
+              <a:t>Subnetting</a:t>
             </a:r>
             <a:endParaRPr lang="en-US" b="1" dirty="0">
               <a:solidFill>
@@ -4006,84 +4781,118 @@
             <p:ph idx="1"/>
           </p:nvPr>
         </p:nvSpPr>
-        <p:spPr/>
+        <p:spPr>
+          <a:xfrm>
+            <a:off x="0" y="1600200"/>
+            <a:ext cx="9144000" cy="4525963"/>
+          </a:xfrm>
+        </p:spPr>
         <p:txBody>
           <a:bodyPr>
             <a:normAutofit/>
           </a:bodyPr>
           <a:lstStyle/>
           <a:p>
+            <a:pPr>
+              <a:buNone/>
+            </a:pPr>
+            <a:endParaRPr lang="en-US" b="1" dirty="0" smtClean="0">
+              <a:solidFill>
+                <a:schemeClr val="bg1"/>
+              </a:solidFill>
+            </a:endParaRPr>
+          </a:p>
+          <a:p>
+            <a:r>
+              <a:rPr lang="en-US" b="1" dirty="0" err="1" smtClean="0">
+                <a:solidFill>
+                  <a:schemeClr val="bg1"/>
+                </a:solidFill>
+              </a:rPr>
+              <a:t>Subnetting</a:t>
+            </a:r>
             <a:r>
               <a:rPr lang="en-US" b="1" dirty="0" smtClean="0">
                 <a:solidFill>
                   <a:schemeClr val="bg1"/>
                 </a:solidFill>
               </a:rPr>
-              <a:t>Challenge 1:</a:t>
-            </a:r>
+              <a:t> Details</a:t>
+            </a:r>
+            <a:endParaRPr lang="en-US" dirty="0" smtClean="0">
+              <a:solidFill>
+                <a:schemeClr val="bg1"/>
+              </a:solidFill>
+            </a:endParaRPr>
+          </a:p>
+          <a:p>
+            <a:pPr lvl="1"/>
             <a:r>
               <a:rPr lang="en-US" dirty="0" smtClean="0">
                 <a:solidFill>
                   <a:schemeClr val="bg1"/>
                 </a:solidFill>
               </a:rPr>
-              <a:t> Ensuring secure communication while maintaining performance.</a:t>
+              <a:t>Management: 192.168.10.0/24</a:t>
             </a:r>
           </a:p>
           <a:p>
             <a:pPr lvl="1"/>
             <a:r>
+              <a:rPr lang="en-US" dirty="0" smtClean="0">
+                <a:solidFill>
+                  <a:schemeClr val="bg1"/>
+                </a:solidFill>
+              </a:rPr>
+              <a:t>WLAN: 10.10.0.0/16 (Main), 10.11.0.0/16 (Branch)</a:t>
+            </a:r>
+          </a:p>
+          <a:p>
+            <a:pPr lvl="1"/>
+            <a:r>
+              <a:rPr lang="en-US" dirty="0" smtClean="0">
+                <a:solidFill>
+                  <a:schemeClr val="bg1"/>
+                </a:solidFill>
+              </a:rPr>
+              <a:t>DMZ: 10.20.20.0/27</a:t>
+            </a:r>
+          </a:p>
+          <a:p>
+            <a:pPr lvl="1"/>
+            <a:r>
+              <a:rPr lang="en-US" dirty="0" smtClean="0">
+                <a:solidFill>
+                  <a:schemeClr val="bg1"/>
+                </a:solidFill>
+              </a:rPr>
+              <a:t>LAN: 172.16.0.0/16 (Main), 172.17.0.0/16 (Branch)</a:t>
+            </a:r>
+          </a:p>
+          <a:p>
+            <a:r>
               <a:rPr lang="en-US" b="1" dirty="0" smtClean="0">
                 <a:solidFill>
                   <a:schemeClr val="bg1"/>
                 </a:solidFill>
               </a:rPr>
-              <a:t>Solution:</a:t>
-            </a:r>
+              <a:t>Public Addressing</a:t>
+            </a:r>
+            <a:endParaRPr lang="en-US" dirty="0" smtClean="0">
+              <a:solidFill>
+                <a:schemeClr val="bg1"/>
+              </a:solidFill>
+            </a:endParaRPr>
+          </a:p>
+          <a:p>
+            <a:pPr lvl="1"/>
             <a:r>
               <a:rPr lang="en-US" dirty="0" smtClean="0">
                 <a:solidFill>
                   <a:schemeClr val="bg1"/>
                 </a:solidFill>
               </a:rPr>
-              <a:t> Implemented VLANs and access controls with OSPF.</a:t>
-            </a:r>
-          </a:p>
-          <a:p>
-            <a:r>
-              <a:rPr lang="en-US" b="1" dirty="0" smtClean="0">
-                <a:solidFill>
-                  <a:schemeClr val="bg1"/>
-                </a:solidFill>
-              </a:rPr>
-              <a:t>Challenge 2:</a:t>
-            </a:r>
-            <a:r>
-              <a:rPr lang="en-US" dirty="0" smtClean="0">
-                <a:solidFill>
-                  <a:schemeClr val="bg1"/>
-                </a:solidFill>
-              </a:rPr>
-              <a:t> Providing a scalable solution for future growth.</a:t>
-            </a:r>
-          </a:p>
-          <a:p>
-            <a:pPr lvl="1"/>
-            <a:r>
-              <a:rPr lang="en-US" b="1" dirty="0" smtClean="0">
-                <a:solidFill>
-                  <a:schemeClr val="bg1"/>
-                </a:solidFill>
-              </a:rPr>
-              <a:t>Solution:</a:t>
-            </a:r>
-            <a:r>
-              <a:rPr lang="en-US" dirty="0" smtClean="0">
-                <a:solidFill>
-                  <a:schemeClr val="bg1"/>
-                </a:solidFill>
-              </a:rPr>
-              <a:t> Designed with ample IP space and modular VLAN segmentation.</a:t>
+              <a:t>105.100.50.0/30 (Main), 205.200.100.0/30 (Branch)</a:t>
             </a:r>
             <a:endParaRPr lang="en-US" dirty="0">
               <a:solidFill>
@@ -4093,14 +4902,84 @@
           </a:p>
         </p:txBody>
       </p:sp>
+      <p:grpSp>
+        <p:nvGrpSpPr>
+          <p:cNvPr id="4" name="Group 3"/>
+          <p:cNvGrpSpPr/>
+          <p:nvPr/>
+        </p:nvGrpSpPr>
+        <p:grpSpPr>
+          <a:xfrm>
+            <a:off x="0" y="-24"/>
+            <a:ext cx="9144000" cy="714355"/>
+            <a:chOff x="0" y="-24"/>
+            <a:chExt cx="9144000" cy="714355"/>
+          </a:xfrm>
+        </p:grpSpPr>
+        <p:pic>
+          <p:nvPicPr>
+            <p:cNvPr id="5" name="Picture 4" descr="Screenshot_1.png"/>
+            <p:cNvPicPr>
+              <a:picLocks noChangeAspect="1"/>
+            </p:cNvPicPr>
+            <p:nvPr/>
+          </p:nvPicPr>
+          <p:blipFill>
+            <a:blip r:embed="rId2"/>
+            <a:stretch>
+              <a:fillRect/>
+            </a:stretch>
+          </p:blipFill>
+          <p:spPr>
+            <a:xfrm>
+              <a:off x="8377430" y="0"/>
+              <a:ext cx="766570" cy="657060"/>
+            </a:xfrm>
+            <a:prstGeom prst="rect">
+              <a:avLst/>
+            </a:prstGeom>
+          </p:spPr>
+        </p:pic>
+        <p:pic>
+          <p:nvPicPr>
+            <p:cNvPr id="6" name="Picture 5" descr="Screenshot_2.png"/>
+            <p:cNvPicPr>
+              <a:picLocks noChangeAspect="1"/>
+            </p:cNvPicPr>
+            <p:nvPr/>
+          </p:nvPicPr>
+          <p:blipFill>
+            <a:blip r:embed="rId3"/>
+            <a:stretch>
+              <a:fillRect/>
+            </a:stretch>
+          </p:blipFill>
+          <p:spPr>
+            <a:xfrm>
+              <a:off x="0" y="-24"/>
+              <a:ext cx="714348" cy="714355"/>
+            </a:xfrm>
+            <a:prstGeom prst="rect">
+              <a:avLst/>
+            </a:prstGeom>
+          </p:spPr>
+        </p:pic>
+      </p:grpSp>
     </p:spTree>
   </p:cSld>
   <p:clrMapOvr>
     <a:masterClrMapping/>
   </p:clrMapOvr>
   <p:transition>
-    <p:wipe dir="u"/>
+    <p:pull dir="u"/>
   </p:transition>
+  <p:timing>
+    <p:tnLst>
+      <p:par>
+        <p:cTn id="1" dur="indefinite" restart="never" nodeType="tmRoot"/>
+      </p:par>
+    </p:tnLst>
+  </p:timing>
 </p:sld>
 </file>
 
@@ -4142,7 +5021,7 @@
                   <a:schemeClr val="bg1"/>
                 </a:solidFill>
               </a:rPr>
-              <a:t>Final Testing and Results</a:t>
+              <a:t>Challenges and Solutions</a:t>
             </a:r>
             <a:endParaRPr lang="en-US" b="1" dirty="0">
               <a:solidFill>
@@ -4164,7 +5043,9 @@
         </p:nvSpPr>
         <p:spPr/>
         <p:txBody>
-          <a:bodyPr/>
+          <a:bodyPr>
+            <a:normAutofit/>
+          </a:bodyPr>
           <a:lstStyle/>
           <a:p>
             <a:r>
@@ -4173,45 +5054,71 @@
                   <a:schemeClr val="bg1"/>
                 </a:solidFill>
               </a:rPr>
-              <a:t>Testing Overview</a:t>
-            </a:r>
-            <a:endParaRPr lang="en-US" dirty="0" smtClean="0">
-              <a:solidFill>
-                <a:schemeClr val="bg1"/>
-              </a:solidFill>
-            </a:endParaRPr>
+              <a:t>Challenge 1:</a:t>
+            </a:r>
+            <a:r>
+              <a:rPr lang="en-US" dirty="0" smtClean="0">
+                <a:solidFill>
+                  <a:schemeClr val="bg1"/>
+                </a:solidFill>
+              </a:rPr>
+              <a:t> Ensuring secure communication while maintaining performance.</a:t>
+            </a:r>
           </a:p>
           <a:p>
             <a:pPr lvl="1"/>
             <a:r>
+              <a:rPr lang="en-US" b="1" dirty="0" smtClean="0">
+                <a:solidFill>
+                  <a:schemeClr val="bg1"/>
+                </a:solidFill>
+              </a:rPr>
+              <a:t>Solution:</a:t>
+            </a:r>
+            <a:r>
               <a:rPr lang="en-US" dirty="0" smtClean="0">
                 <a:solidFill>
                   <a:schemeClr val="bg1"/>
                 </a:solidFill>
               </a:rPr>
-              <a:t>Inter-VLAN Routing: Confirmed successful communication.</a:t>
+              <a:t> Implemented VLANs and access controls with OSPF.</a:t>
+            </a:r>
+          </a:p>
+          <a:p>
+            <a:r>
+              <a:rPr lang="en-US" b="1" dirty="0" smtClean="0">
+                <a:solidFill>
+                  <a:schemeClr val="bg1"/>
+                </a:solidFill>
+              </a:rPr>
+              <a:t>Challenge 2:</a:t>
+            </a:r>
+            <a:r>
+              <a:rPr lang="en-US" dirty="0" smtClean="0">
+                <a:solidFill>
+                  <a:schemeClr val="bg1"/>
+                </a:solidFill>
+              </a:rPr>
+              <a:t> Providing a scalable solution for future growth.</a:t>
             </a:r>
           </a:p>
           <a:p>
             <a:pPr lvl="1"/>
             <a:r>
+              <a:rPr lang="en-US" b="1" dirty="0" smtClean="0">
+                <a:solidFill>
+                  <a:schemeClr val="bg1"/>
+                </a:solidFill>
+              </a:rPr>
+              <a:t>Solution:</a:t>
+            </a:r>
+            <a:r>
               <a:rPr lang="en-US" dirty="0" smtClean="0">
                 <a:solidFill>
                   <a:schemeClr val="bg1"/>
                 </a:solidFill>
               </a:rPr>
-              <a:t>ACL and Firewall Rules: Tested security policies.</a:t>
-            </a:r>
-          </a:p>
-          <a:p>
-            <a:pPr lvl="1"/>
-            <a:r>
-              <a:rPr lang="en-US" dirty="0" smtClean="0">
-                <a:solidFill>
-                  <a:schemeClr val="bg1"/>
-                </a:solidFill>
-              </a:rPr>
-              <a:t>Performance Testing: Verified speed and redundancy.</a:t>
+              <a:t> Designed with ample IP space and modular VLAN segmentation.</a:t>
             </a:r>
             <a:endParaRPr lang="en-US" dirty="0">
               <a:solidFill>
@@ -4221,14 +5128,84 @@
           </a:p>
         </p:txBody>
       </p:sp>
+      <p:grpSp>
+        <p:nvGrpSpPr>
+          <p:cNvPr id="4" name="Group 3"/>
+          <p:cNvGrpSpPr/>
+          <p:nvPr/>
+        </p:nvGrpSpPr>
+        <p:grpSpPr>
+          <a:xfrm>
+            <a:off x="0" y="-24"/>
+            <a:ext cx="9144000" cy="714355"/>
+            <a:chOff x="0" y="-24"/>
+            <a:chExt cx="9144000" cy="714355"/>
+          </a:xfrm>
+        </p:grpSpPr>
+        <p:pic>
+          <p:nvPicPr>
+            <p:cNvPr id="5" name="Picture 4" descr="Screenshot_1.png"/>
+            <p:cNvPicPr>
+              <a:picLocks noChangeAspect="1"/>
+            </p:cNvPicPr>
+            <p:nvPr/>
+          </p:nvPicPr>
+          <p:blipFill>
+            <a:blip r:embed="rId2"/>
+            <a:stretch>
+              <a:fillRect/>
+            </a:stretch>
+          </p:blipFill>
+          <p:spPr>
+            <a:xfrm>
+              <a:off x="8377430" y="0"/>
+              <a:ext cx="766570" cy="657060"/>
+            </a:xfrm>
+            <a:prstGeom prst="rect">
+              <a:avLst/>
+            </a:prstGeom>
+          </p:spPr>
+        </p:pic>
+        <p:pic>
+          <p:nvPicPr>
+            <p:cNvPr id="6" name="Picture 5" descr="Screenshot_2.png"/>
+            <p:cNvPicPr>
+              <a:picLocks noChangeAspect="1"/>
+            </p:cNvPicPr>
+            <p:nvPr/>
+          </p:nvPicPr>
+          <p:blipFill>
+            <a:blip r:embed="rId3"/>
+            <a:stretch>
+              <a:fillRect/>
+            </a:stretch>
+          </p:blipFill>
+          <p:spPr>
+            <a:xfrm>
+              <a:off x="0" y="-24"/>
+              <a:ext cx="714348" cy="714355"/>
+            </a:xfrm>
+            <a:prstGeom prst="rect">
+              <a:avLst/>
+            </a:prstGeom>
+          </p:spPr>
+        </p:pic>
+      </p:grpSp>
     </p:spTree>
   </p:cSld>
   <p:clrMapOvr>
     <a:masterClrMapping/>
   </p:clrMapOvr>
   <p:transition>
-    <p:wipe dir="u"/>
+    <p:pull dir="u"/>
   </p:transition>
+  <p:timing>
+    <p:tnLst>
+      <p:par>
+        <p:cTn id="1" dur="indefinite" restart="never" nodeType="tmRoot"/>
+      </p:par>
+    </p:tnLst>
+  </p:timing>
 </p:sld>
 </file>
 
@@ -4270,6 +5247,204 @@
                   <a:schemeClr val="bg1"/>
                 </a:solidFill>
               </a:rPr>
+              <a:t>Final Testing and Results</a:t>
+            </a:r>
+            <a:endParaRPr lang="en-US" b="1" dirty="0">
+              <a:solidFill>
+                <a:schemeClr val="bg1"/>
+              </a:solidFill>
+            </a:endParaRPr>
+          </a:p>
+        </p:txBody>
+      </p:sp>
+      <p:sp>
+        <p:nvSpPr>
+          <p:cNvPr id="3" name="Content Placeholder 2"/>
+          <p:cNvSpPr>
+            <a:spLocks noGrp="1"/>
+          </p:cNvSpPr>
+          <p:nvPr>
+            <p:ph idx="1"/>
+          </p:nvPr>
+        </p:nvSpPr>
+        <p:spPr/>
+        <p:txBody>
+          <a:bodyPr/>
+          <a:lstStyle/>
+          <a:p>
+            <a:r>
+              <a:rPr lang="en-US" b="1" dirty="0" smtClean="0">
+                <a:solidFill>
+                  <a:schemeClr val="bg1"/>
+                </a:solidFill>
+              </a:rPr>
+              <a:t>Testing Overview</a:t>
+            </a:r>
+            <a:endParaRPr lang="en-US" dirty="0" smtClean="0">
+              <a:solidFill>
+                <a:schemeClr val="bg1"/>
+              </a:solidFill>
+            </a:endParaRPr>
+          </a:p>
+          <a:p>
+            <a:pPr lvl="1"/>
+            <a:r>
+              <a:rPr lang="en-US" dirty="0" smtClean="0">
+                <a:solidFill>
+                  <a:schemeClr val="bg1"/>
+                </a:solidFill>
+              </a:rPr>
+              <a:t>Inter-VLAN Routing: Confirmed successful communication.</a:t>
+            </a:r>
+          </a:p>
+          <a:p>
+            <a:pPr lvl="1"/>
+            <a:r>
+              <a:rPr lang="en-US" dirty="0" smtClean="0">
+                <a:solidFill>
+                  <a:schemeClr val="bg1"/>
+                </a:solidFill>
+              </a:rPr>
+              <a:t>ACL and Firewall Rules: Tested security policies.</a:t>
+            </a:r>
+          </a:p>
+          <a:p>
+            <a:pPr lvl="1"/>
+            <a:r>
+              <a:rPr lang="en-US" dirty="0" smtClean="0">
+                <a:solidFill>
+                  <a:schemeClr val="bg1"/>
+                </a:solidFill>
+              </a:rPr>
+              <a:t>Performance Testing: Verified speed and redundancy.</a:t>
+            </a:r>
+            <a:endParaRPr lang="en-US" dirty="0">
+              <a:solidFill>
+                <a:schemeClr val="bg1"/>
+              </a:solidFill>
+            </a:endParaRPr>
+          </a:p>
+        </p:txBody>
+      </p:sp>
+      <p:grpSp>
+        <p:nvGrpSpPr>
+          <p:cNvPr id="4" name="Group 3"/>
+          <p:cNvGrpSpPr/>
+          <p:nvPr/>
+        </p:nvGrpSpPr>
+        <p:grpSpPr>
+          <a:xfrm>
+            <a:off x="0" y="-24"/>
+            <a:ext cx="9144000" cy="714355"/>
+            <a:chOff x="0" y="-24"/>
+            <a:chExt cx="9144000" cy="714355"/>
+          </a:xfrm>
+        </p:grpSpPr>
+        <p:pic>
+          <p:nvPicPr>
+            <p:cNvPr id="5" name="Picture 4" descr="Screenshot_1.png"/>
+            <p:cNvPicPr>
+              <a:picLocks noChangeAspect="1"/>
+            </p:cNvPicPr>
+            <p:nvPr/>
+          </p:nvPicPr>
+          <p:blipFill>
+            <a:blip r:embed="rId2"/>
+            <a:stretch>
+              <a:fillRect/>
+            </a:stretch>
+          </p:blipFill>
+          <p:spPr>
+            <a:xfrm>
+              <a:off x="8377430" y="0"/>
+              <a:ext cx="766570" cy="657060"/>
+            </a:xfrm>
+            <a:prstGeom prst="rect">
+              <a:avLst/>
+            </a:prstGeom>
+          </p:spPr>
+        </p:pic>
+        <p:pic>
+          <p:nvPicPr>
+            <p:cNvPr id="6" name="Picture 5" descr="Screenshot_2.png"/>
+            <p:cNvPicPr>
+              <a:picLocks noChangeAspect="1"/>
+            </p:cNvPicPr>
+            <p:nvPr/>
+          </p:nvPicPr>
+          <p:blipFill>
+            <a:blip r:embed="rId3"/>
+            <a:stretch>
+              <a:fillRect/>
+            </a:stretch>
+          </p:blipFill>
+          <p:spPr>
+            <a:xfrm>
+              <a:off x="0" y="-24"/>
+              <a:ext cx="714348" cy="714355"/>
+            </a:xfrm>
+            <a:prstGeom prst="rect">
+              <a:avLst/>
+            </a:prstGeom>
+          </p:spPr>
+        </p:pic>
+      </p:grpSp>
+    </p:spTree>
+  </p:cSld>
+  <p:clrMapOvr>
+    <a:masterClrMapping/>
+  </p:clrMapOvr>
+  <p:transition>
+    <p:pull dir="u"/>
+  </p:transition>
+  <p:timing>
+    <p:tnLst>
+      <p:par>
+        <p:cTn id="1" dur="indefinite" restart="never" nodeType="tmRoot"/>
+      </p:par>
+    </p:tnLst>
+  </p:timing>
+</p:sld>
+</file>
+
+<file path=ppt/slides/slide17.xml><?xml version="1.0" encoding="utf-8"?>
+<p:sld xmlns:a="http://schemas.openxmlformats.org/drawingml/2006/main" xmlns:r="http://schemas.openxmlformats.org/officeDocument/2006/relationships" xmlns:p="http://schemas.openxmlformats.org/presentationml/2006/main">
+  <p:cSld>
+    <p:spTree>
+      <p:nvGrpSpPr>
+        <p:cNvPr id="1" name=""/>
+        <p:cNvGrpSpPr/>
+        <p:nvPr/>
+      </p:nvGrpSpPr>
+      <p:grpSpPr>
+        <a:xfrm>
+          <a:off x="0" y="0"/>
+          <a:ext cx="0" cy="0"/>
+          <a:chOff x="0" y="0"/>
+          <a:chExt cx="0" cy="0"/>
+        </a:xfrm>
+      </p:grpSpPr>
+      <p:sp>
+        <p:nvSpPr>
+          <p:cNvPr id="2" name="Title 1"/>
+          <p:cNvSpPr>
+            <a:spLocks noGrp="1"/>
+          </p:cNvSpPr>
+          <p:nvPr>
+            <p:ph type="title"/>
+          </p:nvPr>
+        </p:nvSpPr>
+        <p:spPr/>
+        <p:txBody>
+          <a:bodyPr/>
+          <a:lstStyle/>
+          <a:p>
+            <a:r>
+              <a:rPr lang="en-US" b="1" dirty="0" smtClean="0">
+                <a:solidFill>
+                  <a:schemeClr val="bg1"/>
+                </a:solidFill>
+              </a:rPr>
               <a:t>Conclusion</a:t>
             </a:r>
             <a:endParaRPr lang="en-US" b="1" dirty="0">
@@ -4382,14 +5557,84 @@
           </a:p>
         </p:txBody>
       </p:sp>
+      <p:grpSp>
+        <p:nvGrpSpPr>
+          <p:cNvPr id="4" name="Group 3"/>
+          <p:cNvGrpSpPr/>
+          <p:nvPr/>
+        </p:nvGrpSpPr>
+        <p:grpSpPr>
+          <a:xfrm>
+            <a:off x="0" y="-24"/>
+            <a:ext cx="9144000" cy="714355"/>
+            <a:chOff x="0" y="-24"/>
+            <a:chExt cx="9144000" cy="714355"/>
+          </a:xfrm>
+        </p:grpSpPr>
+        <p:pic>
+          <p:nvPicPr>
+            <p:cNvPr id="5" name="Picture 4" descr="Screenshot_1.png"/>
+            <p:cNvPicPr>
+              <a:picLocks noChangeAspect="1"/>
+            </p:cNvPicPr>
+            <p:nvPr/>
+          </p:nvPicPr>
+          <p:blipFill>
+            <a:blip r:embed="rId2"/>
+            <a:stretch>
+              <a:fillRect/>
+            </a:stretch>
+          </p:blipFill>
+          <p:spPr>
+            <a:xfrm>
+              <a:off x="8377430" y="0"/>
+              <a:ext cx="766570" cy="657060"/>
+            </a:xfrm>
+            <a:prstGeom prst="rect">
+              <a:avLst/>
+            </a:prstGeom>
+          </p:spPr>
+        </p:pic>
+        <p:pic>
+          <p:nvPicPr>
+            <p:cNvPr id="6" name="Picture 5" descr="Screenshot_2.png"/>
+            <p:cNvPicPr>
+              <a:picLocks noChangeAspect="1"/>
+            </p:cNvPicPr>
+            <p:nvPr/>
+          </p:nvPicPr>
+          <p:blipFill>
+            <a:blip r:embed="rId3"/>
+            <a:stretch>
+              <a:fillRect/>
+            </a:stretch>
+          </p:blipFill>
+          <p:spPr>
+            <a:xfrm>
+              <a:off x="0" y="-24"/>
+              <a:ext cx="714348" cy="714355"/>
+            </a:xfrm>
+            <a:prstGeom prst="rect">
+              <a:avLst/>
+            </a:prstGeom>
+          </p:spPr>
+        </p:pic>
+      </p:grpSp>
     </p:spTree>
   </p:cSld>
   <p:clrMapOvr>
     <a:masterClrMapping/>
   </p:clrMapOvr>
   <p:transition>
-    <p:wipe dir="u"/>
+    <p:pull dir="u"/>
   </p:transition>
+  <p:timing>
+    <p:tnLst>
+      <p:par>
+        <p:cTn id="1" dur="indefinite" restart="never" nodeType="tmRoot"/>
+      </p:par>
+    </p:tnLst>
+  </p:timing>
 </p:sld>
 </file>
 
@@ -4551,13 +5796,76 @@
           </a:p>
         </p:txBody>
       </p:sp>
+      <p:grpSp>
+        <p:nvGrpSpPr>
+          <p:cNvPr id="4" name="Group 3"/>
+          <p:cNvGrpSpPr/>
+          <p:nvPr/>
+        </p:nvGrpSpPr>
+        <p:grpSpPr>
+          <a:xfrm>
+            <a:off x="0" y="-24"/>
+            <a:ext cx="9144000" cy="714355"/>
+            <a:chOff x="0" y="-24"/>
+            <a:chExt cx="9144000" cy="714355"/>
+          </a:xfrm>
+        </p:grpSpPr>
+        <p:pic>
+          <p:nvPicPr>
+            <p:cNvPr id="5" name="Picture 4" descr="Screenshot_1.png"/>
+            <p:cNvPicPr>
+              <a:picLocks noChangeAspect="1"/>
+            </p:cNvPicPr>
+            <p:nvPr/>
+          </p:nvPicPr>
+          <p:blipFill>
+            <a:blip r:embed="rId2"/>
+            <a:stretch>
+              <a:fillRect/>
+            </a:stretch>
+          </p:blipFill>
+          <p:spPr>
+            <a:xfrm>
+              <a:off x="8377430" y="0"/>
+              <a:ext cx="766570" cy="657060"/>
+            </a:xfrm>
+            <a:prstGeom prst="rect">
+              <a:avLst/>
+            </a:prstGeom>
+          </p:spPr>
+        </p:pic>
+        <p:pic>
+          <p:nvPicPr>
+            <p:cNvPr id="6" name="Picture 5" descr="Screenshot_2.png"/>
+            <p:cNvPicPr>
+              <a:picLocks noChangeAspect="1"/>
+            </p:cNvPicPr>
+            <p:nvPr/>
+          </p:nvPicPr>
+          <p:blipFill>
+            <a:blip r:embed="rId3"/>
+            <a:stretch>
+              <a:fillRect/>
+            </a:stretch>
+          </p:blipFill>
+          <p:spPr>
+            <a:xfrm>
+              <a:off x="0" y="-24"/>
+              <a:ext cx="714348" cy="714355"/>
+            </a:xfrm>
+            <a:prstGeom prst="rect">
+              <a:avLst/>
+            </a:prstGeom>
+          </p:spPr>
+        </p:pic>
+      </p:grpSp>
     </p:spTree>
   </p:cSld>
   <p:clrMapOvr>
     <a:masterClrMapping/>
   </p:clrMapOvr>
   <p:transition>
-    <p:wipe dir="u"/>
+    <p:pull dir="u"/>
   </p:transition>
   <p:timing>
     <p:tnLst>
@@ -4586,9 +5894,98 @@
           <a:chExt cx="0" cy="0"/>
         </a:xfrm>
       </p:grpSpPr>
-      <p:sp>
-        <p:nvSpPr>
-          <p:cNvPr id="2" name="Title 1"/>
+      <p:grpSp>
+        <p:nvGrpSpPr>
+          <p:cNvPr id="4" name="Group 3"/>
+          <p:cNvGrpSpPr/>
+          <p:nvPr/>
+        </p:nvGrpSpPr>
+        <p:grpSpPr>
+          <a:xfrm>
+            <a:off x="0" y="-24"/>
+            <a:ext cx="9144000" cy="714355"/>
+            <a:chOff x="0" y="-24"/>
+            <a:chExt cx="9144000" cy="714355"/>
+          </a:xfrm>
+        </p:grpSpPr>
+        <p:pic>
+          <p:nvPicPr>
+            <p:cNvPr id="5" name="Picture 4" descr="Screenshot_1.png"/>
+            <p:cNvPicPr>
+              <a:picLocks noChangeAspect="1"/>
+            </p:cNvPicPr>
+            <p:nvPr/>
+          </p:nvPicPr>
+          <p:blipFill>
+            <a:blip r:embed="rId2"/>
+            <a:stretch>
+              <a:fillRect/>
+            </a:stretch>
+          </p:blipFill>
+          <p:spPr>
+            <a:xfrm>
+              <a:off x="8377430" y="0"/>
+              <a:ext cx="766570" cy="657060"/>
+            </a:xfrm>
+            <a:prstGeom prst="rect">
+              <a:avLst/>
+            </a:prstGeom>
+          </p:spPr>
+        </p:pic>
+        <p:pic>
+          <p:nvPicPr>
+            <p:cNvPr id="6" name="Picture 5" descr="Screenshot_2.png"/>
+            <p:cNvPicPr>
+              <a:picLocks noChangeAspect="1"/>
+            </p:cNvPicPr>
+            <p:nvPr/>
+          </p:nvPicPr>
+          <p:blipFill>
+            <a:blip r:embed="rId3"/>
+            <a:stretch>
+              <a:fillRect/>
+            </a:stretch>
+          </p:blipFill>
+          <p:spPr>
+            <a:xfrm>
+              <a:off x="0" y="-24"/>
+              <a:ext cx="714348" cy="714355"/>
+            </a:xfrm>
+            <a:prstGeom prst="rect">
+              <a:avLst/>
+            </a:prstGeom>
+          </p:spPr>
+        </p:pic>
+      </p:grpSp>
+      <p:pic>
+        <p:nvPicPr>
+          <p:cNvPr id="2050" name="Picture 2" descr="C:\Users\mallb\Desktop\pp2222 final\ITC University.png"/>
+          <p:cNvPicPr>
+            <a:picLocks noChangeAspect="1" noChangeArrowheads="1"/>
+          </p:cNvPicPr>
+          <p:nvPr/>
+        </p:nvPicPr>
+        <p:blipFill>
+          <a:blip r:embed="rId4"/>
+          <a:srcRect/>
+          <a:stretch>
+            <a:fillRect/>
+          </a:stretch>
+        </p:blipFill>
+        <p:spPr bwMode="auto">
+          <a:xfrm>
+            <a:off x="0" y="2143116"/>
+            <a:ext cx="9144000" cy="4764324"/>
+          </a:xfrm>
+          <a:prstGeom prst="rect">
+            <a:avLst/>
+          </a:prstGeom>
+          <a:noFill/>
+        </p:spPr>
+      </p:pic>
+      <p:sp>
+        <p:nvSpPr>
+          <p:cNvPr id="8" name="Title 1"/>
           <p:cNvSpPr>
             <a:spLocks noGrp="1"/>
           </p:cNvSpPr>
@@ -4596,180 +5993,25 @@
             <p:ph type="title"/>
           </p:nvPr>
         </p:nvSpPr>
-        <p:spPr/>
+        <p:spPr>
+          <a:xfrm>
+            <a:off x="457200" y="428612"/>
+            <a:ext cx="8229600" cy="1143000"/>
+          </a:xfrm>
+        </p:spPr>
         <p:txBody>
           <a:bodyPr/>
           <a:lstStyle/>
           <a:p>
             <a:r>
-              <a:rPr lang="en-US" b="1" dirty="0" smtClean="0">
-                <a:solidFill>
-                  <a:schemeClr val="bg1"/>
-                </a:solidFill>
-              </a:rPr>
-              <a:t>Project Objectives</a:t>
+              <a:rPr lang="en-GB" b="1" dirty="0" smtClean="0">
+                <a:solidFill>
+                  <a:schemeClr val="bg1"/>
+                </a:solidFill>
+              </a:rPr>
+              <a:t>ITC Network Diagram</a:t>
             </a:r>
             <a:endParaRPr lang="en-US" b="1" dirty="0">
-              <a:solidFill>
-                <a:schemeClr val="bg1"/>
-              </a:solidFill>
-            </a:endParaRPr>
-          </a:p>
-        </p:txBody>
-      </p:sp>
-      <p:sp>
-        <p:nvSpPr>
-          <p:cNvPr id="3" name="Content Placeholder 2"/>
-          <p:cNvSpPr>
-            <a:spLocks noGrp="1"/>
-          </p:cNvSpPr>
-          <p:nvPr>
-            <p:ph idx="1"/>
-          </p:nvPr>
-        </p:nvSpPr>
-        <p:spPr/>
-        <p:txBody>
-          <a:bodyPr>
-            <a:normAutofit fontScale="77500" lnSpcReduction="20000"/>
-          </a:bodyPr>
-          <a:lstStyle/>
-          <a:p>
-            <a:endParaRPr lang="en-US" b="1" dirty="0" smtClean="0">
-              <a:solidFill>
-                <a:schemeClr val="bg1"/>
-              </a:solidFill>
-            </a:endParaRPr>
-          </a:p>
-          <a:p>
-            <a:r>
-              <a:rPr lang="en-US" b="1" dirty="0" smtClean="0">
-                <a:solidFill>
-                  <a:schemeClr val="bg1"/>
-                </a:solidFill>
-              </a:rPr>
-              <a:t>Network Scalability</a:t>
-            </a:r>
-            <a:endParaRPr lang="en-US" dirty="0" smtClean="0">
-              <a:solidFill>
-                <a:schemeClr val="bg1"/>
-              </a:solidFill>
-            </a:endParaRPr>
-          </a:p>
-          <a:p>
-            <a:pPr lvl="1"/>
-            <a:r>
-              <a:rPr lang="en-US" dirty="0" smtClean="0">
-                <a:solidFill>
-                  <a:schemeClr val="bg1"/>
-                </a:solidFill>
-              </a:rPr>
-              <a:t>Design a network capable of accommodating a growing user base.</a:t>
-            </a:r>
-          </a:p>
-          <a:p>
-            <a:r>
-              <a:rPr lang="en-US" b="1" dirty="0" smtClean="0">
-                <a:solidFill>
-                  <a:schemeClr val="bg1"/>
-                </a:solidFill>
-              </a:rPr>
-              <a:t>Security</a:t>
-            </a:r>
-            <a:endParaRPr lang="en-US" dirty="0" smtClean="0">
-              <a:solidFill>
-                <a:schemeClr val="bg1"/>
-              </a:solidFill>
-            </a:endParaRPr>
-          </a:p>
-          <a:p>
-            <a:pPr lvl="1"/>
-            <a:r>
-              <a:rPr lang="en-US" dirty="0" smtClean="0">
-                <a:solidFill>
-                  <a:schemeClr val="bg1"/>
-                </a:solidFill>
-              </a:rPr>
-              <a:t>Implement robust security measures to protect data.</a:t>
-            </a:r>
-          </a:p>
-          <a:p>
-            <a:r>
-              <a:rPr lang="en-US" b="1" dirty="0" smtClean="0">
-                <a:solidFill>
-                  <a:schemeClr val="bg1"/>
-                </a:solidFill>
-              </a:rPr>
-              <a:t>Redundancy</a:t>
-            </a:r>
-            <a:endParaRPr lang="en-US" dirty="0" smtClean="0">
-              <a:solidFill>
-                <a:schemeClr val="bg1"/>
-              </a:solidFill>
-            </a:endParaRPr>
-          </a:p>
-          <a:p>
-            <a:pPr lvl="1"/>
-            <a:r>
-              <a:rPr lang="en-US" dirty="0" smtClean="0">
-                <a:solidFill>
-                  <a:schemeClr val="bg1"/>
-                </a:solidFill>
-              </a:rPr>
-              <a:t>Ensure high availability and minimize downtime.</a:t>
-            </a:r>
-          </a:p>
-          <a:p>
-            <a:r>
-              <a:rPr lang="en-US" b="1" dirty="0" smtClean="0">
-                <a:solidFill>
-                  <a:schemeClr val="bg1"/>
-                </a:solidFill>
-              </a:rPr>
-              <a:t>Seamless Connectivity</a:t>
-            </a:r>
-            <a:endParaRPr lang="en-US" dirty="0" smtClean="0">
-              <a:solidFill>
-                <a:schemeClr val="bg1"/>
-              </a:solidFill>
-            </a:endParaRPr>
-          </a:p>
-          <a:p>
-            <a:pPr lvl="1"/>
-            <a:r>
-              <a:rPr lang="en-US" dirty="0" smtClean="0">
-                <a:solidFill>
-                  <a:schemeClr val="bg1"/>
-                </a:solidFill>
-              </a:rPr>
-              <a:t>Facilitate secure communication between campuses.</a:t>
-            </a:r>
-          </a:p>
-          <a:p>
-            <a:r>
-              <a:rPr lang="en-US" b="1" dirty="0" smtClean="0">
-                <a:solidFill>
-                  <a:schemeClr val="bg1"/>
-                </a:solidFill>
-              </a:rPr>
-              <a:t>Robust Management</a:t>
-            </a:r>
-            <a:endParaRPr lang="en-US" dirty="0" smtClean="0">
-              <a:solidFill>
-                <a:schemeClr val="bg1"/>
-              </a:solidFill>
-            </a:endParaRPr>
-          </a:p>
-          <a:p>
-            <a:pPr lvl="1"/>
-            <a:r>
-              <a:rPr lang="en-US" dirty="0" smtClean="0">
-                <a:solidFill>
-                  <a:schemeClr val="bg1"/>
-                </a:solidFill>
-              </a:rPr>
-              <a:t>Manage the network with VLANs, firewalls, and access controls.</a:t>
-            </a:r>
-            <a:endParaRPr lang="en-US" dirty="0">
               <a:solidFill>
                 <a:schemeClr val="bg1"/>
               </a:solidFill>
@@ -4783,7 +6025,7 @@
     <a:masterClrMapping/>
   </p:clrMapOvr>
   <p:transition>
-    <p:wipe dir="u"/>
+    <p:pull dir="u"/>
   </p:transition>
   <p:timing>
     <p:tnLst>
@@ -4824,9 +6066,7 @@
         </p:nvSpPr>
         <p:spPr/>
         <p:txBody>
-          <a:bodyPr>
-            <a:normAutofit fontScale="90000"/>
-          </a:bodyPr>
+          <a:bodyPr/>
           <a:lstStyle/>
           <a:p>
             <a:r>
@@ -4835,15 +6075,8 @@
                   <a:schemeClr val="bg1"/>
                 </a:solidFill>
               </a:rPr>
-              <a:t>Network Design Overview</a:t>
-            </a:r>
-            <a:br>
-              <a:rPr lang="en-US" b="1" dirty="0" smtClean="0">
-                <a:solidFill>
-                  <a:schemeClr val="bg1"/>
-                </a:solidFill>
-              </a:rPr>
-            </a:br>
+              <a:t>Project Objectives</a:t>
+            </a:r>
             <a:endParaRPr lang="en-US" b="1" dirty="0">
               <a:solidFill>
                 <a:schemeClr val="bg1"/>
@@ -4865,13 +6098,10 @@
         <p:spPr/>
         <p:txBody>
           <a:bodyPr>
-            <a:normAutofit fontScale="92500" lnSpcReduction="20000"/>
+            <a:normAutofit fontScale="77500" lnSpcReduction="20000"/>
           </a:bodyPr>
           <a:lstStyle/>
           <a:p>
-            <a:pPr>
-              <a:buNone/>
-            </a:pPr>
             <a:endParaRPr lang="en-US" b="1" dirty="0" smtClean="0">
               <a:solidFill>
                 <a:schemeClr val="bg1"/>
@@ -4885,7 +6115,7 @@
                   <a:schemeClr val="bg1"/>
                 </a:solidFill>
               </a:rPr>
-              <a:t>Hierarchical Design Model</a:t>
+              <a:t>Network Scalability</a:t>
             </a:r>
             <a:endParaRPr lang="en-US" dirty="0" smtClean="0">
               <a:solidFill>
@@ -4901,7 +6131,7 @@
                   <a:schemeClr val="bg1"/>
                 </a:solidFill>
               </a:rPr>
-              <a:t>Enhances scalability, redundancy, and ease of management.</a:t>
+              <a:t>Design a network capable of accommodating a growing user base.</a:t>
             </a:r>
           </a:p>
           <a:p>
@@ -4911,7 +6141,7 @@
                   <a:schemeClr val="bg1"/>
                 </a:solidFill>
               </a:rPr>
-              <a:t>Three Layers of the Design</a:t>
+              <a:t>Security</a:t>
             </a:r>
             <a:endParaRPr lang="en-US" dirty="0" smtClean="0">
               <a:solidFill>
@@ -4922,58 +6152,90 @@
           <a:p>
             <a:pPr lvl="1"/>
             <a:r>
+              <a:rPr lang="en-US" dirty="0" smtClean="0">
+                <a:solidFill>
+                  <a:schemeClr val="bg1"/>
+                </a:solidFill>
+              </a:rPr>
+              <a:t>Implement robust security measures to protect data.</a:t>
+            </a:r>
+          </a:p>
+          <a:p>
+            <a:r>
               <a:rPr lang="en-US" b="1" dirty="0" smtClean="0">
                 <a:solidFill>
                   <a:schemeClr val="bg1"/>
                 </a:solidFill>
               </a:rPr>
-              <a:t>Core Layer</a:t>
-            </a:r>
+              <a:t>Redundancy</a:t>
+            </a:r>
+            <a:endParaRPr lang="en-US" dirty="0" smtClean="0">
+              <a:solidFill>
+                <a:schemeClr val="bg1"/>
+              </a:solidFill>
+            </a:endParaRPr>
+          </a:p>
+          <a:p>
+            <a:pPr lvl="1"/>
             <a:r>
               <a:rPr lang="en-US" dirty="0" smtClean="0">
                 <a:solidFill>
                   <a:schemeClr val="bg1"/>
                 </a:solidFill>
               </a:rPr>
-              <a:t>: Centralized management using multilayer switches (Catalyst 3650).</a:t>
-            </a:r>
+              <a:t>Ensure high availability and minimize downtime.</a:t>
+            </a:r>
+          </a:p>
+          <a:p>
+            <a:r>
+              <a:rPr lang="en-US" b="1" dirty="0" smtClean="0">
+                <a:solidFill>
+                  <a:schemeClr val="bg1"/>
+                </a:solidFill>
+              </a:rPr>
+              <a:t>Seamless Connectivity</a:t>
+            </a:r>
+            <a:endParaRPr lang="en-US" dirty="0" smtClean="0">
+              <a:solidFill>
+                <a:schemeClr val="bg1"/>
+              </a:solidFill>
+            </a:endParaRPr>
           </a:p>
           <a:p>
             <a:pPr lvl="1"/>
             <a:r>
+              <a:rPr lang="en-US" dirty="0" smtClean="0">
+                <a:solidFill>
+                  <a:schemeClr val="bg1"/>
+                </a:solidFill>
+              </a:rPr>
+              <a:t>Facilitate secure communication between campuses.</a:t>
+            </a:r>
+          </a:p>
+          <a:p>
+            <a:r>
               <a:rPr lang="en-US" b="1" dirty="0" smtClean="0">
                 <a:solidFill>
                   <a:schemeClr val="bg1"/>
                 </a:solidFill>
               </a:rPr>
-              <a:t>Distribution Layer</a:t>
-            </a:r>
+              <a:t>Robust Management</a:t>
+            </a:r>
+            <a:endParaRPr lang="en-US" dirty="0" smtClean="0">
+              <a:solidFill>
+                <a:schemeClr val="bg1"/>
+              </a:solidFill>
+            </a:endParaRPr>
+          </a:p>
+          <a:p>
+            <a:pPr lvl="1"/>
             <a:r>
               <a:rPr lang="en-US" dirty="0" smtClean="0">
                 <a:solidFill>
                   <a:schemeClr val="bg1"/>
                 </a:solidFill>
               </a:rPr>
-              <a:t>: Interconnects various VLANs and enables inter-VLAN routing.</a:t>
-            </a:r>
-          </a:p>
-          <a:p>
-            <a:pPr lvl="1"/>
-            <a:r>
-              <a:rPr lang="en-US" b="1" dirty="0" smtClean="0">
-                <a:solidFill>
-                  <a:schemeClr val="bg1"/>
-                </a:solidFill>
-              </a:rPr>
-              <a:t>Access Layer</a:t>
-            </a:r>
-            <a:r>
-              <a:rPr lang="en-US" dirty="0" smtClean="0">
-                <a:solidFill>
-                  <a:schemeClr val="bg1"/>
-                </a:solidFill>
-              </a:rPr>
-              <a:t>: Connects individual faculties and departments using Catalyst 2960 switches.</a:t>
+              <a:t>Manage the network with VLANs, firewalls, and access controls.</a:t>
             </a:r>
             <a:endParaRPr lang="en-US" dirty="0">
               <a:solidFill>
@@ -4983,13 +6245,76 @@
           </a:p>
         </p:txBody>
       </p:sp>
+      <p:grpSp>
+        <p:nvGrpSpPr>
+          <p:cNvPr id="4" name="Group 3"/>
+          <p:cNvGrpSpPr/>
+          <p:nvPr/>
+        </p:nvGrpSpPr>
+        <p:grpSpPr>
+          <a:xfrm>
+            <a:off x="0" y="-24"/>
+            <a:ext cx="9144000" cy="714355"/>
+            <a:chOff x="0" y="-24"/>
+            <a:chExt cx="9144000" cy="714355"/>
+          </a:xfrm>
+        </p:grpSpPr>
+        <p:pic>
+          <p:nvPicPr>
+            <p:cNvPr id="5" name="Picture 4" descr="Screenshot_1.png"/>
+            <p:cNvPicPr>
+              <a:picLocks noChangeAspect="1"/>
+            </p:cNvPicPr>
+            <p:nvPr/>
+          </p:nvPicPr>
+          <p:blipFill>
+            <a:blip r:embed="rId2"/>
+            <a:stretch>
+              <a:fillRect/>
+            </a:stretch>
+          </p:blipFill>
+          <p:spPr>
+            <a:xfrm>
+              <a:off x="8377430" y="0"/>
+              <a:ext cx="766570" cy="657060"/>
+            </a:xfrm>
+            <a:prstGeom prst="rect">
+              <a:avLst/>
+            </a:prstGeom>
+          </p:spPr>
+        </p:pic>
+        <p:pic>
+          <p:nvPicPr>
+            <p:cNvPr id="6" name="Picture 5" descr="Screenshot_2.png"/>
+            <p:cNvPicPr>
+              <a:picLocks noChangeAspect="1"/>
+            </p:cNvPicPr>
+            <p:nvPr/>
+          </p:nvPicPr>
+          <p:blipFill>
+            <a:blip r:embed="rId3"/>
+            <a:stretch>
+              <a:fillRect/>
+            </a:stretch>
+          </p:blipFill>
+          <p:spPr>
+            <a:xfrm>
+              <a:off x="0" y="-24"/>
+              <a:ext cx="714348" cy="714355"/>
+            </a:xfrm>
+            <a:prstGeom prst="rect">
+              <a:avLst/>
+            </a:prstGeom>
+          </p:spPr>
+        </p:pic>
+      </p:grpSp>
     </p:spTree>
   </p:cSld>
   <p:clrMapOvr>
     <a:masterClrMapping/>
   </p:clrMapOvr>
   <p:transition>
-    <p:wipe dir="u"/>
+    <p:pull dir="u"/>
   </p:transition>
   <p:timing>
     <p:tnLst>
@@ -5031,7 +6356,7 @@
         <p:spPr/>
         <p:txBody>
           <a:bodyPr>
-            <a:normAutofit/>
+            <a:normAutofit fontScale="90000"/>
           </a:bodyPr>
           <a:lstStyle/>
           <a:p>
@@ -5041,15 +6366,145 @@
                   <a:schemeClr val="bg1"/>
                 </a:solidFill>
               </a:rPr>
-              <a:t>Key Protocols and </a:t>
-            </a:r>
-            <a:r>
+              <a:t>Network Design Overview</a:t>
+            </a:r>
+            <a:br>
               <a:rPr lang="en-US" b="1" dirty="0" smtClean="0">
                 <a:solidFill>
                   <a:schemeClr val="bg1"/>
                 </a:solidFill>
               </a:rPr>
-              <a:t>Technologies</a:t>
+            </a:br>
+            <a:endParaRPr lang="en-US" b="1" dirty="0">
+              <a:solidFill>
+                <a:schemeClr val="bg1"/>
+              </a:solidFill>
+            </a:endParaRPr>
+          </a:p>
+        </p:txBody>
+      </p:sp>
+      <p:sp>
+        <p:nvSpPr>
+          <p:cNvPr id="3" name="Content Placeholder 2"/>
+          <p:cNvSpPr>
+            <a:spLocks noGrp="1"/>
+          </p:cNvSpPr>
+          <p:nvPr>
+            <p:ph idx="1"/>
+          </p:nvPr>
+        </p:nvSpPr>
+        <p:spPr/>
+        <p:txBody>
+          <a:bodyPr>
+            <a:normAutofit fontScale="92500" lnSpcReduction="20000"/>
+          </a:bodyPr>
+          <a:lstStyle/>
+          <a:p>
+            <a:pPr>
+              <a:buNone/>
+            </a:pPr>
+            <a:endParaRPr lang="en-US" b="1" dirty="0" smtClean="0">
+              <a:solidFill>
+                <a:schemeClr val="bg1"/>
+              </a:solidFill>
+            </a:endParaRPr>
+          </a:p>
+          <a:p>
+            <a:r>
+              <a:rPr lang="en-US" b="1" dirty="0" smtClean="0">
+                <a:solidFill>
+                  <a:schemeClr val="bg1"/>
+                </a:solidFill>
+              </a:rPr>
+              <a:t>Hierarchical Design Model</a:t>
+            </a:r>
+            <a:endParaRPr lang="en-US" dirty="0" smtClean="0">
+              <a:solidFill>
+                <a:schemeClr val="bg1"/>
+              </a:solidFill>
+            </a:endParaRPr>
+          </a:p>
+          <a:p>
+            <a:pPr lvl="1"/>
+            <a:r>
+              <a:rPr lang="en-US" dirty="0" smtClean="0">
+                <a:solidFill>
+                  <a:schemeClr val="bg1"/>
+                </a:solidFill>
+              </a:rPr>
+              <a:t>Enhances scalability, redundancy, and ease of management.</a:t>
+            </a:r>
+          </a:p>
+          <a:p>
+            <a:r>
+              <a:rPr lang="en-US" b="1" dirty="0" smtClean="0">
+                <a:solidFill>
+                  <a:schemeClr val="bg1"/>
+                </a:solidFill>
+              </a:rPr>
+              <a:t>Three Layers of the Design</a:t>
+            </a:r>
+            <a:endParaRPr lang="en-US" dirty="0" smtClean="0">
+              <a:solidFill>
+                <a:schemeClr val="bg1"/>
+              </a:solidFill>
+            </a:endParaRPr>
+          </a:p>
+          <a:p>
+            <a:pPr lvl="1"/>
+            <a:r>
+              <a:rPr lang="en-US" b="1" dirty="0" smtClean="0">
+                <a:solidFill>
+                  <a:schemeClr val="bg1"/>
+                </a:solidFill>
+              </a:rPr>
+              <a:t>Core Layer</a:t>
+            </a:r>
+            <a:r>
+              <a:rPr lang="en-US" dirty="0" smtClean="0">
+                <a:solidFill>
+                  <a:schemeClr val="bg1"/>
+                </a:solidFill>
+              </a:rPr>
+              <a:t>: Centralized management using multilayer switches (Catalyst 3650).</a:t>
+            </a:r>
+          </a:p>
+          <a:p>
+            <a:pPr lvl="1"/>
+            <a:r>
+              <a:rPr lang="en-US" b="1" dirty="0" smtClean="0">
+                <a:solidFill>
+                  <a:schemeClr val="bg1"/>
+                </a:solidFill>
+              </a:rPr>
+              <a:t>Distribution Layer</a:t>
+            </a:r>
+            <a:r>
+              <a:rPr lang="en-US" dirty="0" smtClean="0">
+                <a:solidFill>
+                  <a:schemeClr val="bg1"/>
+                </a:solidFill>
+              </a:rPr>
+              <a:t>: Interconnects various VLANs and enables inter-VLAN routing.</a:t>
+            </a:r>
+          </a:p>
+          <a:p>
+            <a:pPr lvl="1"/>
+            <a:r>
+              <a:rPr lang="en-US" b="1" dirty="0" smtClean="0">
+                <a:solidFill>
+                  <a:schemeClr val="bg1"/>
+                </a:solidFill>
+              </a:rPr>
+              <a:t>Access Layer</a:t>
+            </a:r>
+            <a:r>
+              <a:rPr lang="en-US" dirty="0" smtClean="0">
+                <a:solidFill>
+                  <a:schemeClr val="bg1"/>
+                </a:solidFill>
+              </a:rPr>
+              <a:t>: Connects individual faculties and departments using Catalyst 2960 switches.</a:t>
             </a:r>
             <a:endParaRPr lang="en-US" dirty="0">
               <a:solidFill>
@@ -5059,204 +6514,76 @@
           </a:p>
         </p:txBody>
       </p:sp>
-      <p:sp>
-        <p:nvSpPr>
-          <p:cNvPr id="3" name="Content Placeholder 2"/>
-          <p:cNvSpPr>
-            <a:spLocks noGrp="1"/>
-          </p:cNvSpPr>
-          <p:nvPr>
-            <p:ph idx="1"/>
-          </p:nvPr>
-        </p:nvSpPr>
-        <p:spPr/>
-        <p:txBody>
-          <a:bodyPr>
-            <a:normAutofit fontScale="92500" lnSpcReduction="20000"/>
-          </a:bodyPr>
-          <a:lstStyle/>
-          <a:p>
-            <a:endParaRPr lang="en-US" b="1" dirty="0" smtClean="0">
-              <a:solidFill>
-                <a:schemeClr val="bg1"/>
-              </a:solidFill>
-            </a:endParaRPr>
-          </a:p>
-          <a:p>
-            <a:r>
-              <a:rPr lang="en-US" b="1" dirty="0" smtClean="0">
-                <a:solidFill>
-                  <a:schemeClr val="bg1"/>
-                </a:solidFill>
-              </a:rPr>
-              <a:t>Routing and Switching Protocols</a:t>
-            </a:r>
-            <a:endParaRPr lang="en-US" dirty="0" smtClean="0">
-              <a:solidFill>
-                <a:schemeClr val="bg1"/>
-              </a:solidFill>
-            </a:endParaRPr>
-          </a:p>
-          <a:p>
-            <a:pPr lvl="1"/>
-            <a:r>
-              <a:rPr lang="en-US" dirty="0" smtClean="0">
-                <a:solidFill>
-                  <a:schemeClr val="bg1"/>
-                </a:solidFill>
-              </a:rPr>
-              <a:t>OSPF for dynamic routing.</a:t>
-            </a:r>
-          </a:p>
-          <a:p>
-            <a:pPr lvl="1"/>
-            <a:r>
-              <a:rPr lang="en-US" dirty="0" smtClean="0">
-                <a:solidFill>
-                  <a:schemeClr val="bg1"/>
-                </a:solidFill>
-              </a:rPr>
-              <a:t>LACP </a:t>
-            </a:r>
-            <a:r>
-              <a:rPr lang="en-US" dirty="0" err="1" smtClean="0">
-                <a:solidFill>
-                  <a:schemeClr val="bg1"/>
-                </a:solidFill>
-              </a:rPr>
-              <a:t>EtherChannel</a:t>
-            </a:r>
-            <a:r>
-              <a:rPr lang="en-US" dirty="0" smtClean="0">
-                <a:solidFill>
-                  <a:schemeClr val="bg1"/>
-                </a:solidFill>
-              </a:rPr>
-              <a:t> for increased bandwidth.</a:t>
-            </a:r>
-          </a:p>
-          <a:p>
-            <a:pPr lvl="1"/>
-            <a:r>
-              <a:rPr lang="en-US" dirty="0" smtClean="0">
-                <a:solidFill>
-                  <a:schemeClr val="bg1"/>
-                </a:solidFill>
-              </a:rPr>
-              <a:t>HSRP for redundancy and high availability.</a:t>
-            </a:r>
-          </a:p>
-          <a:p>
-            <a:r>
-              <a:rPr lang="en-US" b="1" dirty="0" smtClean="0">
-                <a:solidFill>
-                  <a:schemeClr val="bg1"/>
-                </a:solidFill>
-              </a:rPr>
-              <a:t>Traffic Management and Security</a:t>
-            </a:r>
-            <a:endParaRPr lang="en-US" dirty="0" smtClean="0">
-              <a:solidFill>
-                <a:schemeClr val="bg1"/>
-              </a:solidFill>
-            </a:endParaRPr>
-          </a:p>
-          <a:p>
-            <a:pPr lvl="1"/>
-            <a:r>
-              <a:rPr lang="en-US" dirty="0" smtClean="0">
-                <a:solidFill>
-                  <a:schemeClr val="bg1"/>
-                </a:solidFill>
-              </a:rPr>
-              <a:t>STP </a:t>
-            </a:r>
-            <a:r>
-              <a:rPr lang="en-US" dirty="0" err="1" smtClean="0">
-                <a:solidFill>
-                  <a:schemeClr val="bg1"/>
-                </a:solidFill>
-              </a:rPr>
-              <a:t>PortFast</a:t>
-            </a:r>
-            <a:r>
-              <a:rPr lang="en-US" dirty="0" smtClean="0">
-                <a:solidFill>
-                  <a:schemeClr val="bg1"/>
-                </a:solidFill>
-              </a:rPr>
-              <a:t> and </a:t>
-            </a:r>
-            <a:r>
-              <a:rPr lang="en-US" dirty="0" err="1" smtClean="0">
-                <a:solidFill>
-                  <a:schemeClr val="bg1"/>
-                </a:solidFill>
-              </a:rPr>
-              <a:t>BPDUguard</a:t>
-            </a:r>
-            <a:r>
-              <a:rPr lang="en-US" dirty="0" smtClean="0">
-                <a:solidFill>
-                  <a:schemeClr val="bg1"/>
-                </a:solidFill>
-              </a:rPr>
-              <a:t> to prevent loops.</a:t>
-            </a:r>
-          </a:p>
-          <a:p>
-            <a:pPr lvl="1"/>
-            <a:r>
-              <a:rPr lang="en-US" dirty="0" smtClean="0">
-                <a:solidFill>
-                  <a:schemeClr val="bg1"/>
-                </a:solidFill>
-              </a:rPr>
-              <a:t>ACLs for traffic management.</a:t>
-            </a:r>
-          </a:p>
-          <a:p>
-            <a:r>
-              <a:rPr lang="en-US" b="1" dirty="0" smtClean="0">
-                <a:solidFill>
-                  <a:schemeClr val="bg1"/>
-                </a:solidFill>
-              </a:rPr>
-              <a:t>Network Addressing</a:t>
-            </a:r>
-            <a:endParaRPr lang="en-US" dirty="0" smtClean="0">
-              <a:solidFill>
-                <a:schemeClr val="bg1"/>
-              </a:solidFill>
-            </a:endParaRPr>
-          </a:p>
-          <a:p>
-            <a:pPr lvl="1"/>
-            <a:r>
-              <a:rPr lang="en-US" dirty="0" smtClean="0">
-                <a:solidFill>
-                  <a:schemeClr val="bg1"/>
-                </a:solidFill>
-              </a:rPr>
-              <a:t>NAT for IP management.</a:t>
-            </a:r>
-          </a:p>
-          <a:p>
-            <a:endParaRPr lang="en-US" dirty="0">
-              <a:solidFill>
-                <a:schemeClr val="bg1"/>
-              </a:solidFill>
-            </a:endParaRPr>
-          </a:p>
-        </p:txBody>
-      </p:sp>
+      <p:grpSp>
+        <p:nvGrpSpPr>
+          <p:cNvPr id="4" name="Group 3"/>
+          <p:cNvGrpSpPr/>
+          <p:nvPr/>
+        </p:nvGrpSpPr>
+        <p:grpSpPr>
+          <a:xfrm>
+            <a:off x="0" y="-24"/>
+            <a:ext cx="9144000" cy="714355"/>
+            <a:chOff x="0" y="-24"/>
+            <a:chExt cx="9144000" cy="714355"/>
+          </a:xfrm>
+        </p:grpSpPr>
+        <p:pic>
+          <p:nvPicPr>
+            <p:cNvPr id="5" name="Picture 4" descr="Screenshot_1.png"/>
+            <p:cNvPicPr>
+              <a:picLocks noChangeAspect="1"/>
+            </p:cNvPicPr>
+            <p:nvPr/>
+          </p:nvPicPr>
+          <p:blipFill>
+            <a:blip r:embed="rId2"/>
+            <a:stretch>
+              <a:fillRect/>
+            </a:stretch>
+          </p:blipFill>
+          <p:spPr>
+            <a:xfrm>
+              <a:off x="8377430" y="0"/>
+              <a:ext cx="766570" cy="657060"/>
+            </a:xfrm>
+            <a:prstGeom prst="rect">
+              <a:avLst/>
+            </a:prstGeom>
+          </p:spPr>
+        </p:pic>
+        <p:pic>
+          <p:nvPicPr>
+            <p:cNvPr id="6" name="Picture 5" descr="Screenshot_2.png"/>
+            <p:cNvPicPr>
+              <a:picLocks noChangeAspect="1"/>
+            </p:cNvPicPr>
+            <p:nvPr/>
+          </p:nvPicPr>
+          <p:blipFill>
+            <a:blip r:embed="rId3"/>
+            <a:stretch>
+              <a:fillRect/>
+            </a:stretch>
+          </p:blipFill>
+          <p:spPr>
+            <a:xfrm>
+              <a:off x="0" y="-24"/>
+              <a:ext cx="714348" cy="714355"/>
+            </a:xfrm>
+            <a:prstGeom prst="rect">
+              <a:avLst/>
+            </a:prstGeom>
+          </p:spPr>
+        </p:pic>
+      </p:grpSp>
     </p:spTree>
   </p:cSld>
   <p:clrMapOvr>
     <a:masterClrMapping/>
   </p:clrMapOvr>
   <p:transition>
-    <p:wipe dir="u"/>
+    <p:pull dir="u"/>
   </p:transition>
   <p:timing>
     <p:tnLst>
@@ -5298,7 +6625,7 @@
         <p:spPr/>
         <p:txBody>
           <a:bodyPr>
-            <a:normAutofit fontScale="90000"/>
+            <a:normAutofit/>
           </a:bodyPr>
           <a:lstStyle/>
           <a:p>
@@ -5308,16 +6635,9 @@
                   <a:schemeClr val="bg1"/>
                 </a:solidFill>
               </a:rPr>
-              <a:t>VLAN Segmentation</a:t>
-            </a:r>
-            <a:br>
-              <a:rPr lang="en-US" b="1" dirty="0" smtClean="0">
-                <a:solidFill>
-                  <a:schemeClr val="bg1"/>
-                </a:solidFill>
-              </a:rPr>
-            </a:br>
-            <a:endParaRPr lang="en-US" b="1" dirty="0">
+              <a:t>Key Protocols and Technologies</a:t>
+            </a:r>
+            <a:endParaRPr lang="en-US" dirty="0">
               <a:solidFill>
                 <a:schemeClr val="bg1"/>
               </a:solidFill>
@@ -5338,17 +6658,24 @@
         <p:spPr/>
         <p:txBody>
           <a:bodyPr>
-            <a:normAutofit fontScale="92500"/>
+            <a:normAutofit fontScale="92500" lnSpcReduction="20000"/>
           </a:bodyPr>
           <a:lstStyle/>
           <a:p>
+            <a:endParaRPr lang="en-US" b="1" dirty="0" smtClean="0">
+              <a:solidFill>
+                <a:schemeClr val="bg1"/>
+              </a:solidFill>
+            </a:endParaRPr>
+          </a:p>
+          <a:p>
             <a:r>
               <a:rPr lang="en-US" b="1" dirty="0" smtClean="0">
                 <a:solidFill>
                   <a:schemeClr val="bg1"/>
                 </a:solidFill>
               </a:rPr>
-              <a:t>Purpose of VLANs</a:t>
+              <a:t>Routing and Switching Protocols</a:t>
             </a:r>
             <a:endParaRPr lang="en-US" dirty="0" smtClean="0">
               <a:solidFill>
@@ -5364,7 +6691,45 @@
                   <a:schemeClr val="bg1"/>
                 </a:solidFill>
               </a:rPr>
-              <a:t>Increase security and improve network performance.</a:t>
+              <a:t>OSPF for dynamic routing.</a:t>
+            </a:r>
+          </a:p>
+          <a:p>
+            <a:pPr lvl="1"/>
+            <a:r>
+              <a:rPr lang="en-US" dirty="0" smtClean="0">
+                <a:solidFill>
+                  <a:schemeClr val="bg1"/>
+                </a:solidFill>
+              </a:rPr>
+              <a:t>LACP </a:t>
+            </a:r>
+            <a:r>
+              <a:rPr lang="en-US" dirty="0" err="1" smtClean="0">
+                <a:solidFill>
+                  <a:schemeClr val="bg1"/>
+                </a:solidFill>
+              </a:rPr>
+              <a:t>EtherChannel</a:t>
+            </a:r>
+            <a:r>
+              <a:rPr lang="en-US" dirty="0" smtClean="0">
+                <a:solidFill>
+                  <a:schemeClr val="bg1"/>
+                </a:solidFill>
+              </a:rPr>
+              <a:t> for increased bandwidth.</a:t>
+            </a:r>
+          </a:p>
+          <a:p>
+            <a:pPr lvl="1"/>
+            <a:r>
+              <a:rPr lang="en-US" dirty="0" smtClean="0">
+                <a:solidFill>
+                  <a:schemeClr val="bg1"/>
+                </a:solidFill>
+              </a:rPr>
+              <a:t>HSRP for redundancy and high availability.</a:t>
             </a:r>
           </a:p>
           <a:p>
@@ -5374,7 +6739,7 @@
                   <a:schemeClr val="bg1"/>
                 </a:solidFill>
               </a:rPr>
-              <a:t>VLAN Assignments</a:t>
+              <a:t>Traffic Management and Security</a:t>
             </a:r>
             <a:endParaRPr lang="en-US" dirty="0" smtClean="0">
               <a:solidFill>
@@ -5385,103 +6750,65 @@
           <a:p>
             <a:pPr lvl="1"/>
             <a:r>
+              <a:rPr lang="en-US" dirty="0" smtClean="0">
+                <a:solidFill>
+                  <a:schemeClr val="bg1"/>
+                </a:solidFill>
+              </a:rPr>
+              <a:t>STP </a:t>
+            </a:r>
+            <a:r>
+              <a:rPr lang="en-US" dirty="0" err="1" smtClean="0">
+                <a:solidFill>
+                  <a:schemeClr val="bg1"/>
+                </a:solidFill>
+              </a:rPr>
+              <a:t>PortFast</a:t>
+            </a:r>
+            <a:r>
+              <a:rPr lang="en-US" dirty="0" smtClean="0">
+                <a:solidFill>
+                  <a:schemeClr val="bg1"/>
+                </a:solidFill>
+              </a:rPr>
+              <a:t> and </a:t>
+            </a:r>
+            <a:r>
+              <a:rPr lang="en-US" dirty="0" err="1" smtClean="0">
+                <a:solidFill>
+                  <a:schemeClr val="bg1"/>
+                </a:solidFill>
+              </a:rPr>
+              <a:t>BPDUguard</a:t>
+            </a:r>
+            <a:r>
+              <a:rPr lang="en-US" dirty="0" smtClean="0">
+                <a:solidFill>
+                  <a:schemeClr val="bg1"/>
+                </a:solidFill>
+              </a:rPr>
+              <a:t> to prevent loops.</a:t>
+            </a:r>
+          </a:p>
+          <a:p>
+            <a:pPr lvl="1"/>
+            <a:r>
+              <a:rPr lang="en-US" dirty="0" smtClean="0">
+                <a:solidFill>
+                  <a:schemeClr val="bg1"/>
+                </a:solidFill>
+              </a:rPr>
+              <a:t>ACLs for traffic management.</a:t>
+            </a:r>
+          </a:p>
+          <a:p>
+            <a:r>
               <a:rPr lang="en-US" b="1" dirty="0" smtClean="0">
                 <a:solidFill>
                   <a:schemeClr val="bg1"/>
                 </a:solidFill>
               </a:rPr>
-              <a:t>VLAN 10</a:t>
-            </a:r>
-            <a:r>
-              <a:rPr lang="en-US" dirty="0" smtClean="0">
-                <a:solidFill>
-                  <a:schemeClr val="bg1"/>
-                </a:solidFill>
-              </a:rPr>
-              <a:t>: Management (192.168.10.0/24)</a:t>
-            </a:r>
-          </a:p>
-          <a:p>
-            <a:pPr lvl="1"/>
-            <a:r>
-              <a:rPr lang="en-US" b="1" dirty="0" smtClean="0">
-                <a:solidFill>
-                  <a:schemeClr val="bg1"/>
-                </a:solidFill>
-              </a:rPr>
-              <a:t>VLAN 20 &amp; 60</a:t>
-            </a:r>
-            <a:r>
-              <a:rPr lang="en-US" dirty="0" smtClean="0">
-                <a:solidFill>
-                  <a:schemeClr val="bg1"/>
-                </a:solidFill>
-              </a:rPr>
-              <a:t>: LAN (172.16.0.0/16, 172.17.0.0/16)</a:t>
-            </a:r>
-          </a:p>
-          <a:p>
-            <a:pPr lvl="1"/>
-            <a:r>
-              <a:rPr lang="en-US" b="1" dirty="0" smtClean="0">
-                <a:solidFill>
-                  <a:schemeClr val="bg1"/>
-                </a:solidFill>
-              </a:rPr>
-              <a:t>VLAN 50 &amp; 90</a:t>
-            </a:r>
-            <a:r>
-              <a:rPr lang="en-US" dirty="0" smtClean="0">
-                <a:solidFill>
-                  <a:schemeClr val="bg1"/>
-                </a:solidFill>
-              </a:rPr>
-              <a:t>: WLAN (10.10.0.0/16, 10.11.0.0/16)</a:t>
-            </a:r>
-          </a:p>
-          <a:p>
-            <a:pPr lvl="1"/>
-            <a:r>
-              <a:rPr lang="en-US" b="1" dirty="0" smtClean="0">
-                <a:solidFill>
-                  <a:schemeClr val="bg1"/>
-                </a:solidFill>
-              </a:rPr>
-              <a:t>VLAN 199</a:t>
-            </a:r>
-            <a:r>
-              <a:rPr lang="en-US" dirty="0" smtClean="0">
-                <a:solidFill>
-                  <a:schemeClr val="bg1"/>
-                </a:solidFill>
-              </a:rPr>
-              <a:t>: </a:t>
-            </a:r>
-            <a:r>
-              <a:rPr lang="en-US" dirty="0" err="1" smtClean="0">
-                <a:solidFill>
-                  <a:schemeClr val="bg1"/>
-                </a:solidFill>
-              </a:rPr>
-              <a:t>Blackhole</a:t>
-            </a:r>
-            <a:r>
-              <a:rPr lang="en-US" dirty="0" smtClean="0">
-                <a:solidFill>
-                  <a:schemeClr val="bg1"/>
-                </a:solidFill>
-              </a:rPr>
-              <a:t> VLAN for unused ports.</a:t>
-            </a:r>
-          </a:p>
-          <a:p>
-            <a:r>
-              <a:rPr lang="en-US" b="1" dirty="0" smtClean="0">
-                <a:solidFill>
-                  <a:schemeClr val="bg1"/>
-                </a:solidFill>
-              </a:rPr>
-              <a:t>Inter-VLAN Routing</a:t>
+              <a:t>Network Addressing</a:t>
             </a:r>
             <a:endParaRPr lang="en-US" dirty="0" smtClean="0">
               <a:solidFill>
@@ -5497,8 +6824,10 @@
                   <a:schemeClr val="bg1"/>
                 </a:solidFill>
               </a:rPr>
-              <a:t>Achieved via core multilayer switches.</a:t>
-            </a:r>
+              <a:t>NAT for IP management.</a:t>
+            </a:r>
+          </a:p>
+          <a:p>
             <a:endParaRPr lang="en-US" dirty="0">
               <a:solidFill>
                 <a:schemeClr val="bg1"/>
@@ -5507,13 +6836,76 @@
           </a:p>
         </p:txBody>
       </p:sp>
+      <p:grpSp>
+        <p:nvGrpSpPr>
+          <p:cNvPr id="4" name="Group 3"/>
+          <p:cNvGrpSpPr/>
+          <p:nvPr/>
+        </p:nvGrpSpPr>
+        <p:grpSpPr>
+          <a:xfrm>
+            <a:off x="0" y="-24"/>
+            <a:ext cx="9144000" cy="714355"/>
+            <a:chOff x="0" y="-24"/>
+            <a:chExt cx="9144000" cy="714355"/>
+          </a:xfrm>
+        </p:grpSpPr>
+        <p:pic>
+          <p:nvPicPr>
+            <p:cNvPr id="5" name="Picture 4" descr="Screenshot_1.png"/>
+            <p:cNvPicPr>
+              <a:picLocks noChangeAspect="1"/>
+            </p:cNvPicPr>
+            <p:nvPr/>
+          </p:nvPicPr>
+          <p:blipFill>
+            <a:blip r:embed="rId2"/>
+            <a:stretch>
+              <a:fillRect/>
+            </a:stretch>
+          </p:blipFill>
+          <p:spPr>
+            <a:xfrm>
+              <a:off x="8377430" y="0"/>
+              <a:ext cx="766570" cy="657060"/>
+            </a:xfrm>
+            <a:prstGeom prst="rect">
+              <a:avLst/>
+            </a:prstGeom>
+          </p:spPr>
+        </p:pic>
+        <p:pic>
+          <p:nvPicPr>
+            <p:cNvPr id="6" name="Picture 5" descr="Screenshot_2.png"/>
+            <p:cNvPicPr>
+              <a:picLocks noChangeAspect="1"/>
+            </p:cNvPicPr>
+            <p:nvPr/>
+          </p:nvPicPr>
+          <p:blipFill>
+            <a:blip r:embed="rId3"/>
+            <a:stretch>
+              <a:fillRect/>
+            </a:stretch>
+          </p:blipFill>
+          <p:spPr>
+            <a:xfrm>
+              <a:off x="0" y="-24"/>
+              <a:ext cx="714348" cy="714355"/>
+            </a:xfrm>
+            <a:prstGeom prst="rect">
+              <a:avLst/>
+            </a:prstGeom>
+          </p:spPr>
+        </p:pic>
+      </p:grpSp>
     </p:spTree>
   </p:cSld>
   <p:clrMapOvr>
     <a:masterClrMapping/>
   </p:clrMapOvr>
   <p:transition>
-    <p:wipe dir="u"/>
+    <p:pull dir="u"/>
   </p:transition>
   <p:timing>
     <p:tnLst>
@@ -5554,17 +6946,26 @@
         </p:nvSpPr>
         <p:spPr/>
         <p:txBody>
-          <a:bodyPr/>
+          <a:bodyPr>
+            <a:normAutofit fontScale="90000"/>
+          </a:bodyPr>
           <a:lstStyle/>
           <a:p>
             <a:r>
-              <a:rPr lang="en-US" dirty="0" smtClean="0">
-                <a:solidFill>
-                  <a:schemeClr val="bg1"/>
-                </a:solidFill>
-              </a:rPr>
-              <a:t>Implementation Phases Overview</a:t>
-            </a:r>
+              <a:rPr lang="en-US" b="1" dirty="0" smtClean="0">
+                <a:solidFill>
+                  <a:schemeClr val="bg1"/>
+                </a:solidFill>
+              </a:rPr>
+              <a:t>VLAN Segmentation</a:t>
+            </a:r>
+            <a:br>
+              <a:rPr lang="en-US" b="1" dirty="0" smtClean="0">
+                <a:solidFill>
+                  <a:schemeClr val="bg1"/>
+                </a:solidFill>
+              </a:rPr>
+            </a:br>
             <a:endParaRPr lang="en-US" b="1" dirty="0">
               <a:solidFill>
                 <a:schemeClr val="bg1"/>
@@ -5585,26 +6986,18 @@
         </p:nvSpPr>
         <p:spPr/>
         <p:txBody>
-          <a:bodyPr/>
+          <a:bodyPr>
+            <a:normAutofit fontScale="92500"/>
+          </a:bodyPr>
           <a:lstStyle/>
           <a:p>
-            <a:pPr>
-              <a:buNone/>
-            </a:pPr>
-            <a:endParaRPr lang="en-US" b="1" dirty="0" smtClean="0">
-              <a:solidFill>
-                <a:schemeClr val="bg1"/>
-              </a:solidFill>
-            </a:endParaRPr>
-          </a:p>
-          <a:p>
             <a:r>
               <a:rPr lang="en-US" b="1" dirty="0" smtClean="0">
                 <a:solidFill>
                   <a:schemeClr val="bg1"/>
                 </a:solidFill>
               </a:rPr>
-              <a:t>Phases of Implementation</a:t>
+              <a:t>Purpose of VLANs</a:t>
             </a:r>
             <a:endParaRPr lang="en-US" dirty="0" smtClean="0">
               <a:solidFill>
@@ -5620,7 +7013,7 @@
                   <a:schemeClr val="bg1"/>
                 </a:solidFill>
               </a:rPr>
-              <a:t>A systematic approach to project execution.</a:t>
+              <a:t>Increase security and improve network performance.</a:t>
             </a:r>
           </a:p>
           <a:p>
@@ -5630,7 +7023,7 @@
                   <a:schemeClr val="bg1"/>
                 </a:solidFill>
               </a:rPr>
-              <a:t>Key Goals of Each Phase</a:t>
+              <a:t>VLAN Assignments</a:t>
             </a:r>
             <a:endParaRPr lang="en-US" dirty="0" smtClean="0">
               <a:solidFill>
@@ -5641,12 +7034,119 @@
           <a:p>
             <a:pPr lvl="1"/>
             <a:r>
+              <a:rPr lang="en-US" b="1" dirty="0" smtClean="0">
+                <a:solidFill>
+                  <a:schemeClr val="bg1"/>
+                </a:solidFill>
+              </a:rPr>
+              <a:t>VLAN 10</a:t>
+            </a:r>
+            <a:r>
               <a:rPr lang="en-US" dirty="0" smtClean="0">
                 <a:solidFill>
                   <a:schemeClr val="bg1"/>
                 </a:solidFill>
               </a:rPr>
-              <a:t>Planning, design, configuration, and security enhancements.</a:t>
+              <a:t>: Management (192.168.10.0/24)</a:t>
+            </a:r>
+          </a:p>
+          <a:p>
+            <a:pPr lvl="1"/>
+            <a:r>
+              <a:rPr lang="en-US" b="1" dirty="0" smtClean="0">
+                <a:solidFill>
+                  <a:schemeClr val="bg1"/>
+                </a:solidFill>
+              </a:rPr>
+              <a:t>VLAN 20 &amp; 60</a:t>
+            </a:r>
+            <a:r>
+              <a:rPr lang="en-US" dirty="0" smtClean="0">
+                <a:solidFill>
+                  <a:schemeClr val="bg1"/>
+                </a:solidFill>
+              </a:rPr>
+              <a:t>: LAN (172.16.0.0/16, 172.17.0.0/16)</a:t>
+            </a:r>
+          </a:p>
+          <a:p>
+            <a:pPr lvl="1"/>
+            <a:r>
+              <a:rPr lang="en-US" b="1" dirty="0" smtClean="0">
+                <a:solidFill>
+                  <a:schemeClr val="bg1"/>
+                </a:solidFill>
+              </a:rPr>
+              <a:t>VLAN 50 &amp; 90</a:t>
+            </a:r>
+            <a:r>
+              <a:rPr lang="en-US" dirty="0" smtClean="0">
+                <a:solidFill>
+                  <a:schemeClr val="bg1"/>
+                </a:solidFill>
+              </a:rPr>
+              <a:t>: WLAN (10.10.0.0/16, 10.11.0.0/16)</a:t>
+            </a:r>
+          </a:p>
+          <a:p>
+            <a:pPr lvl="1"/>
+            <a:r>
+              <a:rPr lang="en-US" b="1" dirty="0" smtClean="0">
+                <a:solidFill>
+                  <a:schemeClr val="bg1"/>
+                </a:solidFill>
+              </a:rPr>
+              <a:t>VLAN 199</a:t>
+            </a:r>
+            <a:r>
+              <a:rPr lang="en-US" dirty="0" smtClean="0">
+                <a:solidFill>
+                  <a:schemeClr val="bg1"/>
+                </a:solidFill>
+              </a:rPr>
+              <a:t>: </a:t>
+            </a:r>
+            <a:r>
+              <a:rPr lang="en-US" dirty="0" err="1" smtClean="0">
+                <a:solidFill>
+                  <a:schemeClr val="bg1"/>
+                </a:solidFill>
+              </a:rPr>
+              <a:t>Blackhole</a:t>
+            </a:r>
+            <a:r>
+              <a:rPr lang="en-US" dirty="0" smtClean="0">
+                <a:solidFill>
+                  <a:schemeClr val="bg1"/>
+                </a:solidFill>
+              </a:rPr>
+              <a:t> VLAN for unused ports.</a:t>
+            </a:r>
+          </a:p>
+          <a:p>
+            <a:r>
+              <a:rPr lang="en-US" b="1" dirty="0" smtClean="0">
+                <a:solidFill>
+                  <a:schemeClr val="bg1"/>
+                </a:solidFill>
+              </a:rPr>
+              <a:t>Inter-VLAN Routing</a:t>
+            </a:r>
+            <a:endParaRPr lang="en-US" dirty="0" smtClean="0">
+              <a:solidFill>
+                <a:schemeClr val="bg1"/>
+              </a:solidFill>
+            </a:endParaRPr>
+          </a:p>
+          <a:p>
+            <a:pPr lvl="1"/>
+            <a:r>
+              <a:rPr lang="en-US" dirty="0" smtClean="0">
+                <a:solidFill>
+                  <a:schemeClr val="bg1"/>
+                </a:solidFill>
+              </a:rPr>
+              <a:t>Achieved via core multilayer switches.</a:t>
             </a:r>
             <a:endParaRPr lang="en-US" dirty="0">
               <a:solidFill>
@@ -5656,13 +7156,76 @@
           </a:p>
         </p:txBody>
       </p:sp>
+      <p:grpSp>
+        <p:nvGrpSpPr>
+          <p:cNvPr id="4" name="Group 3"/>
+          <p:cNvGrpSpPr/>
+          <p:nvPr/>
+        </p:nvGrpSpPr>
+        <p:grpSpPr>
+          <a:xfrm>
+            <a:off x="0" y="-24"/>
+            <a:ext cx="9144000" cy="714355"/>
+            <a:chOff x="0" y="-24"/>
+            <a:chExt cx="9144000" cy="714355"/>
+          </a:xfrm>
+        </p:grpSpPr>
+        <p:pic>
+          <p:nvPicPr>
+            <p:cNvPr id="5" name="Picture 4" descr="Screenshot_1.png"/>
+            <p:cNvPicPr>
+              <a:picLocks noChangeAspect="1"/>
+            </p:cNvPicPr>
+            <p:nvPr/>
+          </p:nvPicPr>
+          <p:blipFill>
+            <a:blip r:embed="rId2"/>
+            <a:stretch>
+              <a:fillRect/>
+            </a:stretch>
+          </p:blipFill>
+          <p:spPr>
+            <a:xfrm>
+              <a:off x="8377430" y="0"/>
+              <a:ext cx="766570" cy="657060"/>
+            </a:xfrm>
+            <a:prstGeom prst="rect">
+              <a:avLst/>
+            </a:prstGeom>
+          </p:spPr>
+        </p:pic>
+        <p:pic>
+          <p:nvPicPr>
+            <p:cNvPr id="6" name="Picture 5" descr="Screenshot_2.png"/>
+            <p:cNvPicPr>
+              <a:picLocks noChangeAspect="1"/>
+            </p:cNvPicPr>
+            <p:nvPr/>
+          </p:nvPicPr>
+          <p:blipFill>
+            <a:blip r:embed="rId3"/>
+            <a:stretch>
+              <a:fillRect/>
+            </a:stretch>
+          </p:blipFill>
+          <p:spPr>
+            <a:xfrm>
+              <a:off x="0" y="-24"/>
+              <a:ext cx="714348" cy="714355"/>
+            </a:xfrm>
+            <a:prstGeom prst="rect">
+              <a:avLst/>
+            </a:prstGeom>
+          </p:spPr>
+        </p:pic>
+      </p:grpSp>
     </p:spTree>
   </p:cSld>
   <p:clrMapOvr>
     <a:masterClrMapping/>
   </p:clrMapOvr>
   <p:transition>
-    <p:wipe dir="u"/>
+    <p:pull dir="u"/>
   </p:transition>
   <p:timing>
     <p:tnLst>
@@ -5703,9 +7266,7 @@
         </p:nvSpPr>
         <p:spPr/>
         <p:txBody>
-          <a:bodyPr>
-            <a:normAutofit fontScale="90000"/>
-          </a:bodyPr>
+          <a:bodyPr/>
           <a:lstStyle/>
           <a:p>
             <a:r>
@@ -5714,7 +7275,90 @@
                   <a:schemeClr val="bg1"/>
                 </a:solidFill>
               </a:rPr>
-              <a:t>Phase 1 - Planning and Requirements Gathering</a:t>
+              <a:t>Implementation Phases Overview</a:t>
+            </a:r>
+            <a:endParaRPr lang="en-US" b="1" dirty="0">
+              <a:solidFill>
+                <a:schemeClr val="bg1"/>
+              </a:solidFill>
+            </a:endParaRPr>
+          </a:p>
+        </p:txBody>
+      </p:sp>
+      <p:sp>
+        <p:nvSpPr>
+          <p:cNvPr id="3" name="Content Placeholder 2"/>
+          <p:cNvSpPr>
+            <a:spLocks noGrp="1"/>
+          </p:cNvSpPr>
+          <p:nvPr>
+            <p:ph idx="1"/>
+          </p:nvPr>
+        </p:nvSpPr>
+        <p:spPr/>
+        <p:txBody>
+          <a:bodyPr/>
+          <a:lstStyle/>
+          <a:p>
+            <a:pPr>
+              <a:buNone/>
+            </a:pPr>
+            <a:endParaRPr lang="en-US" b="1" dirty="0" smtClean="0">
+              <a:solidFill>
+                <a:schemeClr val="bg1"/>
+              </a:solidFill>
+            </a:endParaRPr>
+          </a:p>
+          <a:p>
+            <a:r>
+              <a:rPr lang="en-US" b="1" dirty="0" smtClean="0">
+                <a:solidFill>
+                  <a:schemeClr val="bg1"/>
+                </a:solidFill>
+              </a:rPr>
+              <a:t>Phases of Implementation</a:t>
+            </a:r>
+            <a:endParaRPr lang="en-US" dirty="0" smtClean="0">
+              <a:solidFill>
+                <a:schemeClr val="bg1"/>
+              </a:solidFill>
+            </a:endParaRPr>
+          </a:p>
+          <a:p>
+            <a:pPr lvl="1"/>
+            <a:r>
+              <a:rPr lang="en-US" dirty="0" smtClean="0">
+                <a:solidFill>
+                  <a:schemeClr val="bg1"/>
+                </a:solidFill>
+              </a:rPr>
+              <a:t>A systematic approach to project execution.</a:t>
+            </a:r>
+          </a:p>
+          <a:p>
+            <a:r>
+              <a:rPr lang="en-US" b="1" dirty="0" smtClean="0">
+                <a:solidFill>
+                  <a:schemeClr val="bg1"/>
+                </a:solidFill>
+              </a:rPr>
+              <a:t>Key Goals of Each Phase</a:t>
+            </a:r>
+            <a:endParaRPr lang="en-US" dirty="0" smtClean="0">
+              <a:solidFill>
+                <a:schemeClr val="bg1"/>
+              </a:solidFill>
+            </a:endParaRPr>
+          </a:p>
+          <a:p>
+            <a:pPr lvl="1"/>
+            <a:r>
+              <a:rPr lang="en-US" dirty="0" smtClean="0">
+                <a:solidFill>
+                  <a:schemeClr val="bg1"/>
+                </a:solidFill>
+              </a:rPr>
+              <a:t>Planning, design, configuration, and security enhancements.</a:t>
             </a:r>
             <a:endParaRPr lang="en-US" dirty="0">
               <a:solidFill>
@@ -5724,99 +7368,76 @@
           </a:p>
         </p:txBody>
       </p:sp>
-      <p:sp>
-        <p:nvSpPr>
-          <p:cNvPr id="3" name="Content Placeholder 2"/>
-          <p:cNvSpPr>
-            <a:spLocks noGrp="1"/>
-          </p:cNvSpPr>
-          <p:nvPr>
-            <p:ph idx="1"/>
-          </p:nvPr>
-        </p:nvSpPr>
-        <p:spPr/>
-        <p:txBody>
-          <a:bodyPr/>
-          <a:lstStyle/>
-          <a:p>
-            <a:r>
-              <a:rPr lang="en-US" b="1" dirty="0" smtClean="0">
-                <a:solidFill>
-                  <a:schemeClr val="bg1"/>
-                </a:solidFill>
-              </a:rPr>
-              <a:t>Goals</a:t>
-            </a:r>
-            <a:endParaRPr lang="en-US" dirty="0" smtClean="0">
-              <a:solidFill>
-                <a:schemeClr val="bg1"/>
-              </a:solidFill>
-            </a:endParaRPr>
-          </a:p>
-          <a:p>
-            <a:pPr lvl="1"/>
-            <a:r>
-              <a:rPr lang="en-US" dirty="0" smtClean="0">
-                <a:solidFill>
-                  <a:schemeClr val="bg1"/>
-                </a:solidFill>
-              </a:rPr>
-              <a:t>Identify current and future network requirements.</a:t>
-            </a:r>
-          </a:p>
-          <a:p>
-            <a:r>
-              <a:rPr lang="en-US" b="1" dirty="0" smtClean="0">
-                <a:solidFill>
-                  <a:schemeClr val="bg1"/>
-                </a:solidFill>
-              </a:rPr>
-              <a:t>Key Actions</a:t>
-            </a:r>
-            <a:endParaRPr lang="en-US" dirty="0" smtClean="0">
-              <a:solidFill>
-                <a:schemeClr val="bg1"/>
-              </a:solidFill>
-            </a:endParaRPr>
-          </a:p>
-          <a:p>
-            <a:pPr lvl="1"/>
-            <a:r>
-              <a:rPr lang="en-US" dirty="0" smtClean="0">
-                <a:solidFill>
-                  <a:schemeClr val="bg1"/>
-                </a:solidFill>
-              </a:rPr>
-              <a:t>Meetings with university IT staff to assess operational needs.</a:t>
-            </a:r>
-          </a:p>
-          <a:p>
-            <a:pPr lvl="1"/>
-            <a:r>
-              <a:rPr lang="en-US" dirty="0" smtClean="0">
-                <a:solidFill>
-                  <a:schemeClr val="bg1"/>
-                </a:solidFill>
-              </a:rPr>
-              <a:t>Evaluation of the current infrastructure for scalability.</a:t>
-            </a:r>
-          </a:p>
-          <a:p>
-            <a:endParaRPr lang="en-US" dirty="0">
-              <a:solidFill>
-                <a:schemeClr val="bg1"/>
-              </a:solidFill>
-            </a:endParaRPr>
-          </a:p>
-        </p:txBody>
-      </p:sp>
+      <p:grpSp>
+        <p:nvGrpSpPr>
+          <p:cNvPr id="4" name="Group 3"/>
+          <p:cNvGrpSpPr/>
+          <p:nvPr/>
+        </p:nvGrpSpPr>
+        <p:grpSpPr>
+          <a:xfrm>
+            <a:off x="0" y="-24"/>
+            <a:ext cx="9144000" cy="714355"/>
+            <a:chOff x="0" y="-24"/>
+            <a:chExt cx="9144000" cy="714355"/>
+          </a:xfrm>
+        </p:grpSpPr>
+        <p:pic>
+          <p:nvPicPr>
+            <p:cNvPr id="5" name="Picture 4" descr="Screenshot_1.png"/>
+            <p:cNvPicPr>
+              <a:picLocks noChangeAspect="1"/>
+            </p:cNvPicPr>
+            <p:nvPr/>
+          </p:nvPicPr>
+          <p:blipFill>
+            <a:blip r:embed="rId2"/>
+            <a:stretch>
+              <a:fillRect/>
+            </a:stretch>
+          </p:blipFill>
+          <p:spPr>
+            <a:xfrm>
+              <a:off x="8377430" y="0"/>
+              <a:ext cx="766570" cy="657060"/>
+            </a:xfrm>
+            <a:prstGeom prst="rect">
+              <a:avLst/>
+            </a:prstGeom>
+          </p:spPr>
+        </p:pic>
+        <p:pic>
+          <p:nvPicPr>
+            <p:cNvPr id="6" name="Picture 5" descr="Screenshot_2.png"/>
+            <p:cNvPicPr>
+              <a:picLocks noChangeAspect="1"/>
+            </p:cNvPicPr>
+            <p:nvPr/>
+          </p:nvPicPr>
+          <p:blipFill>
+            <a:blip r:embed="rId3"/>
+            <a:stretch>
+              <a:fillRect/>
+            </a:stretch>
+          </p:blipFill>
+          <p:spPr>
+            <a:xfrm>
+              <a:off x="0" y="-24"/>
+              <a:ext cx="714348" cy="714355"/>
+            </a:xfrm>
+            <a:prstGeom prst="rect">
+              <a:avLst/>
+            </a:prstGeom>
+          </p:spPr>
+        </p:pic>
+      </p:grpSp>
     </p:spTree>
   </p:cSld>
   <p:clrMapOvr>
     <a:masterClrMapping/>
   </p:clrMapOvr>
   <p:transition>
-    <p:wipe dir="u"/>
+    <p:pull dir="u"/>
   </p:transition>
   <p:timing>
     <p:tnLst>
@@ -5868,7 +7489,7 @@
                   <a:schemeClr val="bg1"/>
                 </a:solidFill>
               </a:rPr>
-              <a:t>Phase 2 - Network Design and Scalability Considerations</a:t>
+              <a:t>Phase 1 - Planning and Requirements Gathering</a:t>
             </a:r>
             <a:endParaRPr lang="en-US" dirty="0">
               <a:solidFill>
@@ -5893,23 +7514,13 @@
           <a:bodyPr/>
           <a:lstStyle/>
           <a:p>
-            <a:pPr>
-              <a:buNone/>
-            </a:pPr>
-            <a:endParaRPr lang="en-US" b="1" dirty="0" smtClean="0">
-              <a:solidFill>
-                <a:schemeClr val="bg1"/>
-              </a:solidFill>
-            </a:endParaRPr>
-          </a:p>
-          <a:p>
             <a:r>
               <a:rPr lang="en-US" b="1" dirty="0" smtClean="0">
                 <a:solidFill>
                   <a:schemeClr val="bg1"/>
                 </a:solidFill>
               </a:rPr>
-              <a:t>Design Highlights</a:t>
+              <a:t>Goals</a:t>
             </a:r>
             <a:endParaRPr lang="en-US" dirty="0" smtClean="0">
               <a:solidFill>
@@ -5925,66 +7536,7 @@
                   <a:schemeClr val="bg1"/>
                 </a:solidFill>
               </a:rPr>
-              <a:t>Implemented </a:t>
-            </a:r>
-            <a:r>
-              <a:rPr lang="en-US" dirty="0" err="1" smtClean="0">
-                <a:solidFill>
-                  <a:schemeClr val="bg1"/>
-                </a:solidFill>
-              </a:rPr>
-              <a:t>EtherChannel</a:t>
-            </a:r>
-            <a:r>
-              <a:rPr lang="en-US" dirty="0" smtClean="0">
-                <a:solidFill>
-                  <a:schemeClr val="bg1"/>
-                </a:solidFill>
-              </a:rPr>
-              <a:t> (LACP) for link aggregation.</a:t>
-            </a:r>
-          </a:p>
-          <a:p>
-            <a:pPr lvl="1"/>
-            <a:r>
-              <a:rPr lang="en-US" dirty="0" smtClean="0">
-                <a:solidFill>
-                  <a:schemeClr val="bg1"/>
-                </a:solidFill>
-              </a:rPr>
-              <a:t>Enabled STP </a:t>
-            </a:r>
-            <a:r>
-              <a:rPr lang="en-US" dirty="0" err="1" smtClean="0">
-                <a:solidFill>
-                  <a:schemeClr val="bg1"/>
-                </a:solidFill>
-              </a:rPr>
-              <a:t>PortFast</a:t>
-            </a:r>
-            <a:r>
-              <a:rPr lang="en-US" dirty="0" smtClean="0">
-                <a:solidFill>
-                  <a:schemeClr val="bg1"/>
-                </a:solidFill>
-              </a:rPr>
-              <a:t> and </a:t>
-            </a:r>
-            <a:r>
-              <a:rPr lang="en-US" dirty="0" err="1" smtClean="0">
-                <a:solidFill>
-                  <a:schemeClr val="bg1"/>
-                </a:solidFill>
-              </a:rPr>
-              <a:t>BPDUguard</a:t>
-            </a:r>
-            <a:r>
-              <a:rPr lang="en-US" dirty="0" smtClean="0">
-                <a:solidFill>
-                  <a:schemeClr val="bg1"/>
-                </a:solidFill>
-              </a:rPr>
-              <a:t> for network protection.</a:t>
+              <a:t>Identify current and future network requirements.</a:t>
             </a:r>
           </a:p>
           <a:p>
@@ -5994,7 +7546,7 @@
                   <a:schemeClr val="bg1"/>
                 </a:solidFill>
               </a:rPr>
-              <a:t>Future Growth</a:t>
+              <a:t>Key Actions</a:t>
             </a:r>
             <a:endParaRPr lang="en-US" dirty="0" smtClean="0">
               <a:solidFill>
@@ -6010,8 +7562,21 @@
                   <a:schemeClr val="bg1"/>
                 </a:solidFill>
               </a:rPr>
-              <a:t>Designed to support up to 50,000 users by 2030.</a:t>
-            </a:r>
+              <a:t>Meetings with university IT staff to assess operational needs.</a:t>
+            </a:r>
+          </a:p>
+          <a:p>
+            <a:pPr lvl="1"/>
+            <a:r>
+              <a:rPr lang="en-US" dirty="0" smtClean="0">
+                <a:solidFill>
+                  <a:schemeClr val="bg1"/>
+                </a:solidFill>
+              </a:rPr>
+              <a:t>Evaluation of the current infrastructure for scalability.</a:t>
+            </a:r>
+          </a:p>
+          <a:p>
             <a:endParaRPr lang="en-US" dirty="0">
               <a:solidFill>
                 <a:schemeClr val="bg1"/>
@@ -6020,13 +7585,76 @@
           </a:p>
         </p:txBody>
       </p:sp>
+      <p:grpSp>
+        <p:nvGrpSpPr>
+          <p:cNvPr id="4" name="Group 3"/>
+          <p:cNvGrpSpPr/>
+          <p:nvPr/>
+        </p:nvGrpSpPr>
+        <p:grpSpPr>
+          <a:xfrm>
+            <a:off x="0" y="-24"/>
+            <a:ext cx="9144000" cy="714355"/>
+            <a:chOff x="0" y="-24"/>
+            <a:chExt cx="9144000" cy="714355"/>
+          </a:xfrm>
+        </p:grpSpPr>
+        <p:pic>
+          <p:nvPicPr>
+            <p:cNvPr id="5" name="Picture 4" descr="Screenshot_1.png"/>
+            <p:cNvPicPr>
+              <a:picLocks noChangeAspect="1"/>
+            </p:cNvPicPr>
+            <p:nvPr/>
+          </p:nvPicPr>
+          <p:blipFill>
+            <a:blip r:embed="rId2"/>
+            <a:stretch>
+              <a:fillRect/>
+            </a:stretch>
+          </p:blipFill>
+          <p:spPr>
+            <a:xfrm>
+              <a:off x="8377430" y="0"/>
+              <a:ext cx="766570" cy="657060"/>
+            </a:xfrm>
+            <a:prstGeom prst="rect">
+              <a:avLst/>
+            </a:prstGeom>
+          </p:spPr>
+        </p:pic>
+        <p:pic>
+          <p:nvPicPr>
+            <p:cNvPr id="6" name="Picture 5" descr="Screenshot_2.png"/>
+            <p:cNvPicPr>
+              <a:picLocks noChangeAspect="1"/>
+            </p:cNvPicPr>
+            <p:nvPr/>
+          </p:nvPicPr>
+          <p:blipFill>
+            <a:blip r:embed="rId3"/>
+            <a:stretch>
+              <a:fillRect/>
+            </a:stretch>
+          </p:blipFill>
+          <p:spPr>
+            <a:xfrm>
+              <a:off x="0" y="-24"/>
+              <a:ext cx="714348" cy="714355"/>
+            </a:xfrm>
+            <a:prstGeom prst="rect">
+              <a:avLst/>
+            </a:prstGeom>
+          </p:spPr>
+        </p:pic>
+      </p:grpSp>
     </p:spTree>
   </p:cSld>
   <p:clrMapOvr>
     <a:masterClrMapping/>
   </p:clrMapOvr>
   <p:transition>
-    <p:wipe dir="u"/>
+    <p:pull dir="u"/>
   </p:transition>
   <p:timing>
     <p:tnLst>
@@ -6319,4 +7947,287 @@
   <a:objectDefaults/>
   <a:extraClrSchemeLst/>
 </a:theme>
+</file>
+
+<file path=ppt/theme/theme2.xml><?xml version="1.0" encoding="utf-8"?>
+<a:theme xmlns:a="http://schemas.openxmlformats.org/drawingml/2006/main" name="Office Theme">
+  <a:themeElements>
+    <a:clrScheme name="Office">
+      <a:dk1>
+        <a:sysClr val="windowText" lastClr="000000"/>
+      </a:dk1>
+      <a:lt1>
+        <a:sysClr val="window" lastClr="FFFFFF"/>
+      </a:lt1>
+      <a:dk2>
+        <a:srgbClr val="1F497D"/>
+      </a:dk2>
+      <a:lt2>
+        <a:srgbClr val="EEECE1"/>
+      </a:lt2>
+      <a:accent1>
+        <a:srgbClr val="4F81BD"/>
+      </a:accent1>
+      <a:accent2>
+        <a:srgbClr val="C0504D"/>
+      </a:accent2>
+      <a:accent3>
+        <a:srgbClr val="9BBB59"/>
+      </a:accent3>
+      <a:accent4>
+        <a:srgbClr val="8064A2"/>
+      </a:accent4>
+      <a:accent5>
+        <a:srgbClr val="4BACC6"/>
+      </a:accent5>
+      <a:accent6>
+        <a:srgbClr val="F79646"/>
+      </a:accent6>
+      <a:hlink>
+        <a:srgbClr val="0000FF"/>
+      </a:hlink>
+      <a:folHlink>
+        <a:srgbClr val="800080"/>
+      </a:folHlink>
+    </a:clrScheme>
+    <a:fontScheme name="Office">
+      <a:majorFont>
+        <a:latin typeface="Calibri"/>
+        <a:ea typeface=""/>
+        <a:cs typeface=""/>
+        <a:font script="Jpan" typeface="ＭＳ Ｐゴシック"/>
+        <a:font script="Hang" typeface="맑은 고딕"/>
+        <a:font script="Hans" typeface="宋体"/>
+        <a:font script="Hant" typeface="新細明體"/>
+        <a:font script="Arab" typeface="Times New Roman"/>
+        <a:font script="Hebr" typeface="Times New Roman"/>
+        <a:font script="Thai" typeface="Angsana New"/>
+        <a:font script="Ethi" typeface="Nyala"/>
+        <a:font script="Beng" typeface="Vrinda"/>
+        <a:font script="Gujr" typeface="Shruti"/>
+        <a:font script="Khmr" typeface="MoolBoran"/>
+        <a:font script="Knda" typeface="Tunga"/>
+        <a:font script="Guru" typeface="Raavi"/>
+        <a:font script="Cans" typeface="Euphemia"/>
+        <a:font script="Cher" typeface="Plantagenet Cherokee"/>
+        <a:font script="Yiii" typeface="Microsoft Yi Baiti"/>
+        <a:font script="Tibt" typeface="Microsoft Himalaya"/>
+        <a:font script="Thaa" typeface="MV Boli"/>
+        <a:font script="Deva" typeface="Mangal"/>
+        <a:font script="Telu" typeface="Gautami"/>
+        <a:font script="Taml" typeface="Latha"/>
+        <a:font script="Syrc" typeface="Estrangelo Edessa"/>
+        <a:font script="Orya" typeface="Kalinga"/>
+        <a:font script="Mlym" typeface="Kartika"/>
+        <a:font script="Laoo" typeface="DokChampa"/>
+        <a:font script="Sinh" typeface="Iskoola Pota"/>
+        <a:font script="Mong" typeface="Mongolian Baiti"/>
+        <a:font script="Viet" typeface="Times New Roman"/>
+        <a:font script="Uigh" typeface="Microsoft Uighur"/>
+      </a:majorFont>
+      <a:minorFont>
+        <a:latin typeface="Calibri"/>
+        <a:ea typeface=""/>
+        <a:cs typeface=""/>
+        <a:font script="Jpan" typeface="ＭＳ Ｐゴシック"/>
+        <a:font script="Hang" typeface="맑은 고딕"/>
+        <a:font script="Hans" typeface="宋体"/>
+        <a:font script="Hant" typeface="新細明體"/>
+        <a:font script="Arab" typeface="Arial"/>
+        <a:font script="Hebr" typeface="Arial"/>
+        <a:font script="Thai" typeface="Cordia New"/>
+        <a:font script="Ethi" typeface="Nyala"/>
+        <a:font script="Beng" typeface="Vrinda"/>
+        <a:font script="Gujr" typeface="Shruti"/>
+        <a:font script="Khmr" typeface="DaunPenh"/>
+        <a:font script="Knda" typeface="Tunga"/>
+        <a:font script="Guru" typeface="Raavi"/>
+        <a:font script="Cans" typeface="Euphemia"/>
+        <a:font script="Cher" typeface="Plantagenet Cherokee"/>
+        <a:font script="Yiii" typeface="Microsoft Yi Baiti"/>
+        <a:font script="Tibt" typeface="Microsoft Himalaya"/>
+        <a:font script="Thaa" typeface="MV Boli"/>
+        <a:font script="Deva" typeface="Mangal"/>
+        <a:font script="Telu" typeface="Gautami"/>
+        <a:font script="Taml" typeface="Latha"/>
+        <a:font script="Syrc" typeface="Estrangelo Edessa"/>
+        <a:font script="Orya" typeface="Kalinga"/>
+        <a:font script="Mlym" typeface="Kartika"/>
+        <a:font script="Laoo" typeface="DokChampa"/>
+        <a:font script="Sinh" typeface="Iskoola Pota"/>
+        <a:font script="Mong" typeface="Mongolian Baiti"/>
+        <a:font script="Viet" typeface="Arial"/>
+        <a:font script="Uigh" typeface="Microsoft Uighur"/>
+      </a:minorFont>
+    </a:fontScheme>
+    <a:fmtScheme name="Office">
+      <a:fillStyleLst>
+        <a:solidFill>
+          <a:schemeClr val="phClr"/>
+        </a:solidFill>
+        <a:gradFill rotWithShape="1">
+          <a:gsLst>
+            <a:gs pos="0">
+              <a:schemeClr val="phClr">
+                <a:tint val="50000"/>
+                <a:satMod val="300000"/>
+              </a:schemeClr>
+            </a:gs>
+            <a:gs pos="35000">
+              <a:schemeClr val="phClr">
+                <a:tint val="37000"/>
+                <a:satMod val="300000"/>
+              </a:schemeClr>
+            </a:gs>
+            <a:gs pos="100000">
+              <a:schemeClr val="phClr">
+                <a:tint val="15000"/>
+                <a:satMod val="350000"/>
+              </a:schemeClr>
+            </a:gs>
+          </a:gsLst>
+          <a:lin ang="16200000" scaled="1"/>
+        </a:gradFill>
+        <a:gradFill rotWithShape="1">
+          <a:gsLst>
+            <a:gs pos="0">
+              <a:schemeClr val="phClr">
+                <a:shade val="51000"/>
+                <a:satMod val="130000"/>
+              </a:schemeClr>
+            </a:gs>
+            <a:gs pos="80000">
+              <a:schemeClr val="phClr">
+                <a:shade val="93000"/>
+                <a:satMod val="130000"/>
+              </a:schemeClr>
+            </a:gs>
+            <a:gs pos="100000">
+              <a:schemeClr val="phClr">
+                <a:shade val="94000"/>
+                <a:satMod val="135000"/>
+              </a:schemeClr>
+            </a:gs>
+          </a:gsLst>
+          <a:lin ang="16200000" scaled="0"/>
+        </a:gradFill>
+      </a:fillStyleLst>
+      <a:lnStyleLst>
+        <a:ln w="9525" cap="flat" cmpd="sng" algn="ctr">
+          <a:solidFill>
+            <a:schemeClr val="phClr">
+              <a:shade val="95000"/>
+              <a:satMod val="105000"/>
+            </a:schemeClr>
+          </a:solidFill>
+          <a:prstDash val="solid"/>
+        </a:ln>
+        <a:ln w="25400" cap="flat" cmpd="sng" algn="ctr">
+          <a:solidFill>
+            <a:schemeClr val="phClr"/>
+          </a:solidFill>
+          <a:prstDash val="solid"/>
+        </a:ln>
+        <a:ln w="38100" cap="flat" cmpd="sng" algn="ctr">
+          <a:solidFill>
+            <a:schemeClr val="phClr"/>
+          </a:solidFill>
+          <a:prstDash val="solid"/>
+        </a:ln>
+      </a:lnStyleLst>
+      <a:effectStyleLst>
+        <a:effectStyle>
+          <a:effectLst>
+            <a:outerShdw blurRad="40000" dist="20000" dir="5400000" rotWithShape="0">
+              <a:srgbClr val="000000">
+                <a:alpha val="38000"/>
+              </a:srgbClr>
+            </a:outerShdw>
+          </a:effectLst>
+        </a:effectStyle>
+        <a:effectStyle>
+          <a:effectLst>
+            <a:outerShdw blurRad="40000" dist="23000" dir="5400000" rotWithShape="0">
+              <a:srgbClr val="000000">
+                <a:alpha val="35000"/>
+              </a:srgbClr>
+            </a:outerShdw>
+          </a:effectLst>
+        </a:effectStyle>
+        <a:effectStyle>
+          <a:effectLst>
+            <a:outerShdw blurRad="40000" dist="23000" dir="5400000" rotWithShape="0">
+              <a:srgbClr val="000000">
+                <a:alpha val="35000"/>
+              </a:srgbClr>
+            </a:outerShdw>
+          </a:effectLst>
+          <a:scene3d>
+            <a:camera prst="orthographicFront">
+              <a:rot lat="0" lon="0" rev="0"/>
+            </a:camera>
+            <a:lightRig rig="threePt" dir="t">
+              <a:rot lat="0" lon="0" rev="1200000"/>
+            </a:lightRig>
+          </a:scene3d>
+          <a:sp3d>
+            <a:bevelT w="63500" h="25400"/>
+          </a:sp3d>
+        </a:effectStyle>
+      </a:effectStyleLst>
+      <a:bgFillStyleLst>
+        <a:solidFill>
+          <a:schemeClr val="phClr"/>
+        </a:solidFill>
+        <a:gradFill rotWithShape="1">
+          <a:gsLst>
+            <a:gs pos="0">
+              <a:schemeClr val="phClr">
+                <a:tint val="40000"/>
+                <a:satMod val="350000"/>
+              </a:schemeClr>
+            </a:gs>
+            <a:gs pos="40000">
+              <a:schemeClr val="phClr">
+                <a:tint val="45000"/>
+                <a:shade val="99000"/>
+                <a:satMod val="350000"/>
+              </a:schemeClr>
+            </a:gs>
+            <a:gs pos="100000">
+              <a:schemeClr val="phClr">
+                <a:shade val="20000"/>
+                <a:satMod val="255000"/>
+              </a:schemeClr>
+            </a:gs>
+          </a:gsLst>
+          <a:path path="circle">
+            <a:fillToRect l="50000" t="-80000" r="50000" b="180000"/>
+          </a:path>
+        </a:gradFill>
+        <a:gradFill rotWithShape="1">
+          <a:gsLst>
+            <a:gs pos="0">
+              <a:schemeClr val="phClr">
+                <a:tint val="80000"/>
+                <a:satMod val="300000"/>
+              </a:schemeClr>
+            </a:gs>
+            <a:gs pos="100000">
+              <a:schemeClr val="phClr">
+                <a:shade val="30000"/>
+                <a:satMod val="200000"/>
+              </a:schemeClr>
+            </a:gs>
+          </a:gsLst>
+          <a:path path="circle">
+            <a:fillToRect l="50000" t="50000" r="50000" b="50000"/>
+          </a:path>
+        </a:gradFill>
+      </a:bgFillStyleLst>
+    </a:fmtScheme>
+  </a:themeElements>
+  <a:objectDefaults/>
+  <a:extraClrSchemeLst/>
+</a:theme>
 </file>